--- a/report.pptx
+++ b/report.pptx
@@ -137,8 +137,8 @@
 <file path=ppt/revisionInfo.xml><?xml version="1.0" encoding="utf-8"?>
 <p1510:revInfo xmlns:a="http://schemas.openxmlformats.org/drawingml/2006/main" xmlns:r="http://schemas.openxmlformats.org/officeDocument/2006/relationships" xmlns:p1510="http://schemas.microsoft.com/office/powerpoint/2015/10/main">
   <p1510:revLst>
-    <p1510:client id="{7F7C5543-6550-43AB-9DC6-F18B7FB45F3C}" v="15" dt="2021-01-10T16:08:36.778"/>
-    <p1510:client id="{B88A7E87-98B9-4320-B973-394D1C0ECD94}" v="1943" dt="2021-01-10T14:55:48.121"/>
+    <p1510:client id="{7F7C5543-6550-43AB-9DC6-F18B7FB45F3C}" v="88" dt="2021-01-10T16:58:11.808"/>
+    <p1510:client id="{B88A7E87-98B9-4320-B973-394D1C0ECD94}" v="1970" dt="2021-01-10T16:59:38.171"/>
   </p1510:revLst>
 </p1510:revInfo>
 </file>
@@ -148,7 +148,7 @@
   <pc:docChgLst>
     <pc:chgData name="PICOT Julie" userId="98c1a21a-be6d-4d64-a843-0c8d16c45954" providerId="ADAL" clId="{B88A7E87-98B9-4320-B973-394D1C0ECD94}"/>
     <pc:docChg chg="undo redo custSel addSld delSld modSld sldOrd">
-      <pc:chgData name="PICOT Julie" userId="98c1a21a-be6d-4d64-a843-0c8d16c45954" providerId="ADAL" clId="{B88A7E87-98B9-4320-B973-394D1C0ECD94}" dt="2021-01-10T14:55:48.121" v="2234" actId="1035"/>
+      <pc:chgData name="PICOT Julie" userId="98c1a21a-be6d-4d64-a843-0c8d16c45954" providerId="ADAL" clId="{B88A7E87-98B9-4320-B973-394D1C0ECD94}" dt="2021-01-10T16:59:38.171" v="2261" actId="1038"/>
       <pc:docMkLst>
         <pc:docMk/>
       </pc:docMkLst>
@@ -1191,7 +1191,7 @@
         </pc:picChg>
       </pc:sldChg>
       <pc:sldChg chg="delSp modSp add">
-        <pc:chgData name="PICOT Julie" userId="98c1a21a-be6d-4d64-a843-0c8d16c45954" providerId="ADAL" clId="{B88A7E87-98B9-4320-B973-394D1C0ECD94}" dt="2021-01-10T14:42:10.053" v="1939" actId="20577"/>
+        <pc:chgData name="PICOT Julie" userId="98c1a21a-be6d-4d64-a843-0c8d16c45954" providerId="ADAL" clId="{B88A7E87-98B9-4320-B973-394D1C0ECD94}" dt="2021-01-10T16:59:16.989" v="2235" actId="1076"/>
         <pc:sldMkLst>
           <pc:docMk/>
           <pc:sldMk cId="1640101522" sldId="276"/>
@@ -1205,7 +1205,7 @@
           </ac:spMkLst>
         </pc:spChg>
         <pc:spChg chg="mod">
-          <ac:chgData name="PICOT Julie" userId="98c1a21a-be6d-4d64-a843-0c8d16c45954" providerId="ADAL" clId="{B88A7E87-98B9-4320-B973-394D1C0ECD94}" dt="2021-01-10T14:38:24.822" v="1878" actId="20577"/>
+          <ac:chgData name="PICOT Julie" userId="98c1a21a-be6d-4d64-a843-0c8d16c45954" providerId="ADAL" clId="{B88A7E87-98B9-4320-B973-394D1C0ECD94}" dt="2021-01-10T16:59:16.989" v="2235" actId="1076"/>
           <ac:spMkLst>
             <pc:docMk/>
             <pc:sldMk cId="1640101522" sldId="276"/>
@@ -1253,7 +1253,7 @@
         </pc:picChg>
       </pc:sldChg>
       <pc:sldChg chg="addSp delSp modSp add">
-        <pc:chgData name="PICOT Julie" userId="98c1a21a-be6d-4d64-a843-0c8d16c45954" providerId="ADAL" clId="{B88A7E87-98B9-4320-B973-394D1C0ECD94}" dt="2021-01-10T14:47:24.353" v="2015" actId="1076"/>
+        <pc:chgData name="PICOT Julie" userId="98c1a21a-be6d-4d64-a843-0c8d16c45954" providerId="ADAL" clId="{B88A7E87-98B9-4320-B973-394D1C0ECD94}" dt="2021-01-10T16:59:30.083" v="2249" actId="1038"/>
         <pc:sldMkLst>
           <pc:docMk/>
           <pc:sldMk cId="1437258695" sldId="278"/>
@@ -1283,7 +1283,7 @@
           </ac:spMkLst>
         </pc:spChg>
         <pc:spChg chg="add mod">
-          <ac:chgData name="PICOT Julie" userId="98c1a21a-be6d-4d64-a843-0c8d16c45954" providerId="ADAL" clId="{B88A7E87-98B9-4320-B973-394D1C0ECD94}" dt="2021-01-10T14:45:58.779" v="1999" actId="1076"/>
+          <ac:chgData name="PICOT Julie" userId="98c1a21a-be6d-4d64-a843-0c8d16c45954" providerId="ADAL" clId="{B88A7E87-98B9-4320-B973-394D1C0ECD94}" dt="2021-01-10T16:59:30.083" v="2249" actId="1038"/>
           <ac:spMkLst>
             <pc:docMk/>
             <pc:sldMk cId="1437258695" sldId="278"/>
@@ -1291,7 +1291,7 @@
           </ac:spMkLst>
         </pc:spChg>
         <pc:spChg chg="add mod">
-          <ac:chgData name="PICOT Julie" userId="98c1a21a-be6d-4d64-a843-0c8d16c45954" providerId="ADAL" clId="{B88A7E87-98B9-4320-B973-394D1C0ECD94}" dt="2021-01-10T14:45:51.740" v="1998" actId="1076"/>
+          <ac:chgData name="PICOT Julie" userId="98c1a21a-be6d-4d64-a843-0c8d16c45954" providerId="ADAL" clId="{B88A7E87-98B9-4320-B973-394D1C0ECD94}" dt="2021-01-10T16:59:30.083" v="2249" actId="1038"/>
           <ac:spMkLst>
             <pc:docMk/>
             <pc:sldMk cId="1437258695" sldId="278"/>
@@ -1315,7 +1315,7 @@
           </ac:spMkLst>
         </pc:spChg>
         <pc:picChg chg="add mod">
-          <ac:chgData name="PICOT Julie" userId="98c1a21a-be6d-4d64-a843-0c8d16c45954" providerId="ADAL" clId="{B88A7E87-98B9-4320-B973-394D1C0ECD94}" dt="2021-01-10T14:45:42.654" v="1995" actId="14100"/>
+          <ac:chgData name="PICOT Julie" userId="98c1a21a-be6d-4d64-a843-0c8d16c45954" providerId="ADAL" clId="{B88A7E87-98B9-4320-B973-394D1C0ECD94}" dt="2021-01-10T16:59:30.083" v="2249" actId="1038"/>
           <ac:picMkLst>
             <pc:docMk/>
             <pc:sldMk cId="1437258695" sldId="278"/>
@@ -1323,7 +1323,7 @@
           </ac:picMkLst>
         </pc:picChg>
         <pc:picChg chg="add mod">
-          <ac:chgData name="PICOT Julie" userId="98c1a21a-be6d-4d64-a843-0c8d16c45954" providerId="ADAL" clId="{B88A7E87-98B9-4320-B973-394D1C0ECD94}" dt="2021-01-10T14:45:47.440" v="1997" actId="1076"/>
+          <ac:chgData name="PICOT Julie" userId="98c1a21a-be6d-4d64-a843-0c8d16c45954" providerId="ADAL" clId="{B88A7E87-98B9-4320-B973-394D1C0ECD94}" dt="2021-01-10T16:59:30.083" v="2249" actId="1038"/>
           <ac:picMkLst>
             <pc:docMk/>
             <pc:sldMk cId="1437258695" sldId="278"/>
@@ -1348,7 +1348,7 @@
         </pc:picChg>
       </pc:sldChg>
       <pc:sldChg chg="addSp delSp modSp add">
-        <pc:chgData name="PICOT Julie" userId="98c1a21a-be6d-4d64-a843-0c8d16c45954" providerId="ADAL" clId="{B88A7E87-98B9-4320-B973-394D1C0ECD94}" dt="2021-01-10T14:49:35.528" v="2069" actId="20577"/>
+        <pc:chgData name="PICOT Julie" userId="98c1a21a-be6d-4d64-a843-0c8d16c45954" providerId="ADAL" clId="{B88A7E87-98B9-4320-B973-394D1C0ECD94}" dt="2021-01-10T16:59:38.171" v="2261" actId="1038"/>
         <pc:sldMkLst>
           <pc:docMk/>
           <pc:sldMk cId="1947385728" sldId="279"/>
@@ -1361,8 +1361,24 @@
             <ac:spMk id="2" creationId="{4D5D50A4-0F67-41FF-A43C-86C6048119BB}"/>
           </ac:spMkLst>
         </pc:spChg>
+        <pc:spChg chg="mod">
+          <ac:chgData name="PICOT Julie" userId="98c1a21a-be6d-4d64-a843-0c8d16c45954" providerId="ADAL" clId="{B88A7E87-98B9-4320-B973-394D1C0ECD94}" dt="2021-01-10T16:59:38.171" v="2261" actId="1038"/>
+          <ac:spMkLst>
+            <pc:docMk/>
+            <pc:sldMk cId="1947385728" sldId="279"/>
+            <ac:spMk id="8" creationId="{BD71B856-8C6F-4C58-BAD2-0BF1ED0FCF99}"/>
+          </ac:spMkLst>
+        </pc:spChg>
+        <pc:spChg chg="mod">
+          <ac:chgData name="PICOT Julie" userId="98c1a21a-be6d-4d64-a843-0c8d16c45954" providerId="ADAL" clId="{B88A7E87-98B9-4320-B973-394D1C0ECD94}" dt="2021-01-10T16:59:38.171" v="2261" actId="1038"/>
+          <ac:spMkLst>
+            <pc:docMk/>
+            <pc:sldMk cId="1947385728" sldId="279"/>
+            <ac:spMk id="10" creationId="{E30167E8-A1E9-4D9E-8C02-013B704A6DE2}"/>
+          </ac:spMkLst>
+        </pc:spChg>
         <pc:picChg chg="add mod">
-          <ac:chgData name="PICOT Julie" userId="98c1a21a-be6d-4d64-a843-0c8d16c45954" providerId="ADAL" clId="{B88A7E87-98B9-4320-B973-394D1C0ECD94}" dt="2021-01-10T14:48:12.587" v="2020" actId="1076"/>
+          <ac:chgData name="PICOT Julie" userId="98c1a21a-be6d-4d64-a843-0c8d16c45954" providerId="ADAL" clId="{B88A7E87-98B9-4320-B973-394D1C0ECD94}" dt="2021-01-10T16:59:38.171" v="2261" actId="1038"/>
           <ac:picMkLst>
             <pc:docMk/>
             <pc:sldMk cId="1947385728" sldId="279"/>
@@ -1370,7 +1386,7 @@
           </ac:picMkLst>
         </pc:picChg>
         <pc:picChg chg="add mod">
-          <ac:chgData name="PICOT Julie" userId="98c1a21a-be6d-4d64-a843-0c8d16c45954" providerId="ADAL" clId="{B88A7E87-98B9-4320-B973-394D1C0ECD94}" dt="2021-01-10T14:48:33.439" v="2024" actId="1076"/>
+          <ac:chgData name="PICOT Julie" userId="98c1a21a-be6d-4d64-a843-0c8d16c45954" providerId="ADAL" clId="{B88A7E87-98B9-4320-B973-394D1C0ECD94}" dt="2021-01-10T16:59:38.171" v="2261" actId="1038"/>
           <ac:picMkLst>
             <pc:docMk/>
             <pc:sldMk cId="1947385728" sldId="279"/>
@@ -1605,7 +1621,7 @@
   <pc:docChgLst>
     <pc:chgData name="Alexandre" userId="3842a3c4-afd2-4399-8cb0-95fceacd12a1" providerId="ADAL" clId="{7F7C5543-6550-43AB-9DC6-F18B7FB45F3C}"/>
     <pc:docChg chg="custSel modSld">
-      <pc:chgData name="Alexandre" userId="3842a3c4-afd2-4399-8cb0-95fceacd12a1" providerId="ADAL" clId="{7F7C5543-6550-43AB-9DC6-F18B7FB45F3C}" dt="2021-01-10T16:11:38.164" v="34" actId="20577"/>
+      <pc:chgData name="Alexandre" userId="3842a3c4-afd2-4399-8cb0-95fceacd12a1" providerId="ADAL" clId="{7F7C5543-6550-43AB-9DC6-F18B7FB45F3C}" dt="2021-01-10T16:58:11.808" v="107" actId="20577"/>
       <pc:docMkLst>
         <pc:docMk/>
       </pc:docMkLst>
@@ -1621,6 +1637,21 @@
             <pc:docMk/>
             <pc:sldMk cId="542638804" sldId="262"/>
             <ac:spMk id="2" creationId="{4D5D50A4-0F67-41FF-A43C-86C6048119BB}"/>
+          </ac:spMkLst>
+        </pc:spChg>
+      </pc:sldChg>
+      <pc:sldChg chg="modSp">
+        <pc:chgData name="Alexandre" userId="3842a3c4-afd2-4399-8cb0-95fceacd12a1" providerId="ADAL" clId="{7F7C5543-6550-43AB-9DC6-F18B7FB45F3C}" dt="2021-01-10T16:58:11.808" v="107" actId="20577"/>
+        <pc:sldMkLst>
+          <pc:docMk/>
+          <pc:sldMk cId="1210018973" sldId="265"/>
+        </pc:sldMkLst>
+        <pc:spChg chg="mod">
+          <ac:chgData name="Alexandre" userId="3842a3c4-afd2-4399-8cb0-95fceacd12a1" providerId="ADAL" clId="{7F7C5543-6550-43AB-9DC6-F18B7FB45F3C}" dt="2021-01-10T16:58:11.808" v="107" actId="20577"/>
+          <ac:spMkLst>
+            <pc:docMk/>
+            <pc:sldMk cId="1210018973" sldId="265"/>
+            <ac:spMk id="24" creationId="{091BB4E3-3A46-48D3-B1CD-2EBF04F8133E}"/>
           </ac:spMkLst>
         </pc:spChg>
       </pc:sldChg>
@@ -7454,7 +7485,7 @@
         </p:nvSpPr>
         <p:spPr>
           <a:xfrm>
-            <a:off x="838200" y="1825624"/>
+            <a:off x="838200" y="2330449"/>
             <a:ext cx="10515600" cy="4667251"/>
           </a:xfrm>
         </p:spPr>
@@ -7737,7 +7768,7 @@
         </p:blipFill>
         <p:spPr>
           <a:xfrm>
-            <a:off x="1314438" y="1616189"/>
+            <a:off x="1562088" y="1616189"/>
             <a:ext cx="4195270" cy="2573044"/>
           </a:xfrm>
           <a:prstGeom prst="rect">
@@ -7763,7 +7794,7 @@
         </p:nvSpPr>
         <p:spPr>
           <a:xfrm>
-            <a:off x="-472802" y="2644342"/>
+            <a:off x="-225152" y="2644342"/>
             <a:ext cx="2338349" cy="446259"/>
           </a:xfrm>
         </p:spPr>
@@ -7810,7 +7841,7 @@
         </p:blipFill>
         <p:spPr>
           <a:xfrm>
-            <a:off x="1349638" y="4158018"/>
+            <a:off x="1597288" y="4158018"/>
             <a:ext cx="4160070" cy="2529884"/>
           </a:xfrm>
           <a:prstGeom prst="rect">
@@ -7834,7 +7865,7 @@
         </p:nvSpPr>
         <p:spPr>
           <a:xfrm>
-            <a:off x="-530166" y="5146547"/>
+            <a:off x="-282516" y="5146547"/>
             <a:ext cx="2338349" cy="446259"/>
           </a:xfrm>
           <a:prstGeom prst="rect">
@@ -8621,7 +8652,7 @@
         </p:nvSpPr>
         <p:spPr>
           <a:xfrm>
-            <a:off x="-472802" y="2644342"/>
+            <a:off x="-320402" y="2644342"/>
             <a:ext cx="2338349" cy="446259"/>
           </a:xfrm>
         </p:spPr>
@@ -8662,7 +8693,7 @@
         </p:nvSpPr>
         <p:spPr>
           <a:xfrm>
-            <a:off x="-530166" y="5146547"/>
+            <a:off x="-377766" y="5146547"/>
             <a:ext cx="2338349" cy="446259"/>
           </a:xfrm>
           <a:prstGeom prst="rect">
@@ -9292,7 +9323,7 @@
         </p:blipFill>
         <p:spPr>
           <a:xfrm>
-            <a:off x="1349638" y="1684047"/>
+            <a:off x="1502038" y="1684047"/>
             <a:ext cx="4164525" cy="2338125"/>
           </a:xfrm>
           <a:prstGeom prst="rect">
@@ -9322,7 +9353,7 @@
         </p:blipFill>
         <p:spPr>
           <a:xfrm>
-            <a:off x="1325266" y="4162765"/>
+            <a:off x="1477666" y="4162765"/>
             <a:ext cx="4180971" cy="2364066"/>
           </a:xfrm>
           <a:prstGeom prst="rect">
@@ -14170,67 +14201,91 @@
               <a:buNone/>
             </a:pPr>
             <a:r>
-              <a:rPr lang="fr-FR" sz="2000" err="1"/>
+              <a:rPr lang="fr-FR" sz="2000" dirty="0" err="1"/>
               <a:t>We</a:t>
             </a:r>
             <a:r>
-              <a:rPr lang="fr-FR" sz="2000"/>
+              <a:rPr lang="fr-FR" sz="2000" dirty="0"/>
               <a:t> </a:t>
             </a:r>
             <a:r>
-              <a:rPr lang="fr-FR" sz="2000" err="1"/>
+              <a:rPr lang="fr-FR" sz="2000" dirty="0" err="1"/>
               <a:t>decided</a:t>
             </a:r>
             <a:r>
-              <a:rPr lang="fr-FR" sz="2000"/>
+              <a:rPr lang="fr-FR" sz="2000" dirty="0"/>
               <a:t> to </a:t>
             </a:r>
             <a:r>
-              <a:rPr lang="fr-FR" sz="2000" err="1"/>
+              <a:rPr lang="fr-FR" sz="2000" dirty="0" err="1"/>
               <a:t>reject</a:t>
             </a:r>
             <a:r>
-              <a:rPr lang="fr-FR" sz="2000"/>
+              <a:rPr lang="fr-FR" sz="2000" dirty="0"/>
               <a:t> all of </a:t>
             </a:r>
             <a:r>
-              <a:rPr lang="fr-FR" sz="2000" err="1"/>
+              <a:rPr lang="fr-FR" sz="2000" dirty="0" err="1"/>
               <a:t>this</a:t>
             </a:r>
             <a:r>
-              <a:rPr lang="fr-FR" sz="2000"/>
+              <a:rPr lang="fr-FR" sz="2000" dirty="0"/>
               <a:t> model </a:t>
             </a:r>
             <a:r>
-              <a:rPr lang="fr-FR" sz="2000" err="1"/>
+              <a:rPr lang="fr-FR" sz="2000" dirty="0" err="1"/>
               <a:t>because</a:t>
             </a:r>
             <a:r>
-              <a:rPr lang="fr-FR" sz="2000"/>
+              <a:rPr lang="fr-FR" sz="2000" dirty="0"/>
               <a:t> of </a:t>
             </a:r>
             <a:r>
-              <a:rPr lang="fr-FR" sz="2000" err="1"/>
+              <a:rPr lang="fr-FR" sz="2000" dirty="0" err="1"/>
               <a:t>their</a:t>
             </a:r>
             <a:r>
-              <a:rPr lang="fr-FR" sz="2000"/>
+              <a:rPr lang="fr-FR" sz="2000" dirty="0"/>
               <a:t> </a:t>
             </a:r>
             <a:r>
-              <a:rPr lang="fr-FR" sz="2000" err="1"/>
-              <a:t>bad</a:t>
-            </a:r>
-            <a:r>
-              <a:rPr lang="fr-FR" sz="2000"/>
+              <a:rPr lang="fr-FR" sz="2000" dirty="0" err="1"/>
+              <a:t>result</a:t>
+            </a:r>
+            <a:r>
+              <a:rPr lang="fr-FR" sz="2000" dirty="0"/>
               <a:t> </a:t>
             </a:r>
             <a:r>
-              <a:rPr lang="fr-FR" sz="2000" err="1"/>
-              <a:t>results</a:t>
-            </a:r>
-            <a:r>
-              <a:rPr lang="fr-FR" sz="2000"/>
+              <a:rPr lang="fr-FR" sz="2000" dirty="0" err="1"/>
+              <a:t>weren’t</a:t>
+            </a:r>
+            <a:r>
+              <a:rPr lang="fr-FR" sz="2000" dirty="0"/>
+              <a:t> as good as the </a:t>
+            </a:r>
+            <a:r>
+              <a:rPr lang="fr-FR" sz="2000" dirty="0" err="1"/>
+              <a:t>ones</a:t>
+            </a:r>
+            <a:r>
+              <a:rPr lang="fr-FR" sz="2000" dirty="0"/>
+              <a:t> of the </a:t>
+            </a:r>
+            <a:r>
+              <a:rPr lang="fr-FR" sz="2000" dirty="0" err="1"/>
+              <a:t>boosting</a:t>
+            </a:r>
+            <a:r>
+              <a:rPr lang="fr-FR" sz="2000" dirty="0"/>
+              <a:t> </a:t>
+            </a:r>
+            <a:r>
+              <a:rPr lang="fr-FR" sz="2000" dirty="0" err="1"/>
+              <a:t>tree</a:t>
+            </a:r>
+            <a:r>
+              <a:rPr lang="fr-FR" sz="2000" dirty="0"/>
               <a:t>.</a:t>
             </a:r>
           </a:p>
@@ -15458,21 +15513,21 @@
 </file>
 
 <file path=customXml/item1.xml><?xml version="1.0" encoding="utf-8"?>
+<?mso-contentType ?>
+<FormTemplates xmlns="http://schemas.microsoft.com/sharepoint/v3/contenttype/forms">
+  <Display>DocumentLibraryForm</Display>
+  <Edit>DocumentLibraryForm</Edit>
+  <New>DocumentLibraryForm</New>
+</FormTemplates>
+</file>
+
+<file path=customXml/item2.xml><?xml version="1.0" encoding="utf-8"?>
 <p:properties xmlns:p="http://schemas.microsoft.com/office/2006/metadata/properties" xmlns:xsi="http://www.w3.org/2001/XMLSchema-instance" xmlns:pc="http://schemas.microsoft.com/office/infopath/2007/PartnerControls">
   <documentManagement>
     <_ip_UnifiedCompliancePolicyUIAction xmlns="http://schemas.microsoft.com/sharepoint/v3" xsi:nil="true"/>
     <_ip_UnifiedCompliancePolicyProperties xmlns="http://schemas.microsoft.com/sharepoint/v3" xsi:nil="true"/>
   </documentManagement>
 </p:properties>
-</file>
-
-<file path=customXml/item2.xml><?xml version="1.0" encoding="utf-8"?>
-<?mso-contentType ?>
-<FormTemplates xmlns="http://schemas.microsoft.com/sharepoint/v3/contenttype/forms">
-  <Display>DocumentLibraryForm</Display>
-  <Edit>DocumentLibraryForm</Edit>
-  <New>DocumentLibraryForm</New>
-</FormTemplates>
 </file>
 
 <file path=customXml/item3.xml><?xml version="1.0" encoding="utf-8"?>
@@ -15716,19 +15771,19 @@
 </file>
 
 <file path=customXml/itemProps1.xml><?xml version="1.0" encoding="utf-8"?>
+<ds:datastoreItem xmlns:ds="http://schemas.openxmlformats.org/officeDocument/2006/customXml" ds:itemID="{506DFC7D-5525-44A0-B84B-90BB1BA74C69}">
+  <ds:schemaRefs>
+    <ds:schemaRef ds:uri="http://schemas.microsoft.com/sharepoint/v3/contenttype/forms"/>
+  </ds:schemaRefs>
+</ds:datastoreItem>
+</file>
+
+<file path=customXml/itemProps2.xml><?xml version="1.0" encoding="utf-8"?>
 <ds:datastoreItem xmlns:ds="http://schemas.openxmlformats.org/officeDocument/2006/customXml" ds:itemID="{9E3E725C-9D84-4544-9BC6-44AEAC926B30}">
   <ds:schemaRefs>
     <ds:schemaRef ds:uri="http://schemas.microsoft.com/office/2006/metadata/properties"/>
     <ds:schemaRef ds:uri="http://schemas.microsoft.com/office/infopath/2007/PartnerControls"/>
     <ds:schemaRef ds:uri="http://schemas.microsoft.com/sharepoint/v3"/>
-  </ds:schemaRefs>
-</ds:datastoreItem>
-</file>
-
-<file path=customXml/itemProps2.xml><?xml version="1.0" encoding="utf-8"?>
-<ds:datastoreItem xmlns:ds="http://schemas.openxmlformats.org/officeDocument/2006/customXml" ds:itemID="{506DFC7D-5525-44A0-B84B-90BB1BA74C69}">
-  <ds:schemaRefs>
-    <ds:schemaRef ds:uri="http://schemas.microsoft.com/sharepoint/v3/contenttype/forms"/>
   </ds:schemaRefs>
 </ds:datastoreItem>
 </file>

--- a/report.pptx
+++ b/report.pptx
@@ -146,6 +146,68 @@
 <file path=ppt/changesInfos/changesInfo1.xml><?xml version="1.0" encoding="utf-8"?>
 <pc:chgInfo xmlns:a="http://schemas.openxmlformats.org/drawingml/2006/main" xmlns:r="http://schemas.openxmlformats.org/officeDocument/2006/relationships" xmlns:ac="http://schemas.microsoft.com/office/drawing/2013/main/command" xmlns:pc="http://schemas.microsoft.com/office/powerpoint/2013/main/command">
   <pc:docChgLst>
+    <pc:chgData name="Alexandre" userId="3842a3c4-afd2-4399-8cb0-95fceacd12a1" providerId="ADAL" clId="{7F7C5543-6550-43AB-9DC6-F18B7FB45F3C}"/>
+    <pc:docChg chg="custSel modSld">
+      <pc:chgData name="Alexandre" userId="3842a3c4-afd2-4399-8cb0-95fceacd12a1" providerId="ADAL" clId="{7F7C5543-6550-43AB-9DC6-F18B7FB45F3C}" dt="2021-01-10T16:58:11.808" v="107" actId="20577"/>
+      <pc:docMkLst>
+        <pc:docMk/>
+      </pc:docMkLst>
+      <pc:sldChg chg="modSp">
+        <pc:chgData name="Alexandre" userId="3842a3c4-afd2-4399-8cb0-95fceacd12a1" providerId="ADAL" clId="{7F7C5543-6550-43AB-9DC6-F18B7FB45F3C}" dt="2021-01-10T14:45:01.811" v="12" actId="20577"/>
+        <pc:sldMkLst>
+          <pc:docMk/>
+          <pc:sldMk cId="542638804" sldId="262"/>
+        </pc:sldMkLst>
+        <pc:spChg chg="mod">
+          <ac:chgData name="Alexandre" userId="3842a3c4-afd2-4399-8cb0-95fceacd12a1" providerId="ADAL" clId="{7F7C5543-6550-43AB-9DC6-F18B7FB45F3C}" dt="2021-01-10T14:45:01.811" v="12" actId="20577"/>
+          <ac:spMkLst>
+            <pc:docMk/>
+            <pc:sldMk cId="542638804" sldId="262"/>
+            <ac:spMk id="2" creationId="{4D5D50A4-0F67-41FF-A43C-86C6048119BB}"/>
+          </ac:spMkLst>
+        </pc:spChg>
+      </pc:sldChg>
+      <pc:sldChg chg="modSp">
+        <pc:chgData name="Alexandre" userId="3842a3c4-afd2-4399-8cb0-95fceacd12a1" providerId="ADAL" clId="{7F7C5543-6550-43AB-9DC6-F18B7FB45F3C}" dt="2021-01-10T16:58:11.808" v="107" actId="20577"/>
+        <pc:sldMkLst>
+          <pc:docMk/>
+          <pc:sldMk cId="1210018973" sldId="265"/>
+        </pc:sldMkLst>
+        <pc:spChg chg="mod">
+          <ac:chgData name="Alexandre" userId="3842a3c4-afd2-4399-8cb0-95fceacd12a1" providerId="ADAL" clId="{7F7C5543-6550-43AB-9DC6-F18B7FB45F3C}" dt="2021-01-10T16:58:11.808" v="107" actId="20577"/>
+          <ac:spMkLst>
+            <pc:docMk/>
+            <pc:sldMk cId="1210018973" sldId="265"/>
+            <ac:spMk id="24" creationId="{091BB4E3-3A46-48D3-B1CD-2EBF04F8133E}"/>
+          </ac:spMkLst>
+        </pc:spChg>
+      </pc:sldChg>
+      <pc:sldChg chg="addSp delSp modSp">
+        <pc:chgData name="Alexandre" userId="3842a3c4-afd2-4399-8cb0-95fceacd12a1" providerId="ADAL" clId="{7F7C5543-6550-43AB-9DC6-F18B7FB45F3C}" dt="2021-01-10T16:11:38.164" v="34" actId="20577"/>
+        <pc:sldMkLst>
+          <pc:docMk/>
+          <pc:sldMk cId="1521114461" sldId="277"/>
+        </pc:sldMkLst>
+        <pc:spChg chg="add mod">
+          <ac:chgData name="Alexandre" userId="3842a3c4-afd2-4399-8cb0-95fceacd12a1" providerId="ADAL" clId="{7F7C5543-6550-43AB-9DC6-F18B7FB45F3C}" dt="2021-01-10T16:11:38.164" v="34" actId="20577"/>
+          <ac:spMkLst>
+            <pc:docMk/>
+            <pc:sldMk cId="1521114461" sldId="277"/>
+            <ac:spMk id="3" creationId="{BA9C9D24-F3F2-40FE-915B-4E22D9098090}"/>
+          </ac:spMkLst>
+        </pc:spChg>
+        <pc:spChg chg="del">
+          <ac:chgData name="Alexandre" userId="3842a3c4-afd2-4399-8cb0-95fceacd12a1" providerId="ADAL" clId="{7F7C5543-6550-43AB-9DC6-F18B7FB45F3C}" dt="2021-01-10T15:28:07.044" v="13" actId="478"/>
+          <ac:spMkLst>
+            <pc:docMk/>
+            <pc:sldMk cId="1521114461" sldId="277"/>
+            <ac:spMk id="5" creationId="{ECEF2217-74C7-4BBB-918E-AE6160E85726}"/>
+          </ac:spMkLst>
+        </pc:spChg>
+      </pc:sldChg>
+    </pc:docChg>
+  </pc:docChgLst>
+  <pc:docChgLst>
     <pc:chgData name="PICOT Julie" userId="98c1a21a-be6d-4d64-a843-0c8d16c45954" providerId="ADAL" clId="{B88A7E87-98B9-4320-B973-394D1C0ECD94}"/>
     <pc:docChg chg="undo redo custSel addSld delSld modSld sldOrd">
       <pc:chgData name="PICOT Julie" userId="98c1a21a-be6d-4d64-a843-0c8d16c45954" providerId="ADAL" clId="{B88A7E87-98B9-4320-B973-394D1C0ECD94}" dt="2021-01-10T16:59:38.171" v="2261" actId="1038"/>
@@ -1615,68 +1677,6 @@
             <ac:picMk id="10" creationId="{29B8F879-138F-4D95-9F6F-6EF94C4A98D9}"/>
           </ac:picMkLst>
         </pc:picChg>
-      </pc:sldChg>
-    </pc:docChg>
-  </pc:docChgLst>
-  <pc:docChgLst>
-    <pc:chgData name="Alexandre" userId="3842a3c4-afd2-4399-8cb0-95fceacd12a1" providerId="ADAL" clId="{7F7C5543-6550-43AB-9DC6-F18B7FB45F3C}"/>
-    <pc:docChg chg="custSel modSld">
-      <pc:chgData name="Alexandre" userId="3842a3c4-afd2-4399-8cb0-95fceacd12a1" providerId="ADAL" clId="{7F7C5543-6550-43AB-9DC6-F18B7FB45F3C}" dt="2021-01-10T16:58:11.808" v="107" actId="20577"/>
-      <pc:docMkLst>
-        <pc:docMk/>
-      </pc:docMkLst>
-      <pc:sldChg chg="modSp">
-        <pc:chgData name="Alexandre" userId="3842a3c4-afd2-4399-8cb0-95fceacd12a1" providerId="ADAL" clId="{7F7C5543-6550-43AB-9DC6-F18B7FB45F3C}" dt="2021-01-10T14:45:01.811" v="12" actId="20577"/>
-        <pc:sldMkLst>
-          <pc:docMk/>
-          <pc:sldMk cId="542638804" sldId="262"/>
-        </pc:sldMkLst>
-        <pc:spChg chg="mod">
-          <ac:chgData name="Alexandre" userId="3842a3c4-afd2-4399-8cb0-95fceacd12a1" providerId="ADAL" clId="{7F7C5543-6550-43AB-9DC6-F18B7FB45F3C}" dt="2021-01-10T14:45:01.811" v="12" actId="20577"/>
-          <ac:spMkLst>
-            <pc:docMk/>
-            <pc:sldMk cId="542638804" sldId="262"/>
-            <ac:spMk id="2" creationId="{4D5D50A4-0F67-41FF-A43C-86C6048119BB}"/>
-          </ac:spMkLst>
-        </pc:spChg>
-      </pc:sldChg>
-      <pc:sldChg chg="modSp">
-        <pc:chgData name="Alexandre" userId="3842a3c4-afd2-4399-8cb0-95fceacd12a1" providerId="ADAL" clId="{7F7C5543-6550-43AB-9DC6-F18B7FB45F3C}" dt="2021-01-10T16:58:11.808" v="107" actId="20577"/>
-        <pc:sldMkLst>
-          <pc:docMk/>
-          <pc:sldMk cId="1210018973" sldId="265"/>
-        </pc:sldMkLst>
-        <pc:spChg chg="mod">
-          <ac:chgData name="Alexandre" userId="3842a3c4-afd2-4399-8cb0-95fceacd12a1" providerId="ADAL" clId="{7F7C5543-6550-43AB-9DC6-F18B7FB45F3C}" dt="2021-01-10T16:58:11.808" v="107" actId="20577"/>
-          <ac:spMkLst>
-            <pc:docMk/>
-            <pc:sldMk cId="1210018973" sldId="265"/>
-            <ac:spMk id="24" creationId="{091BB4E3-3A46-48D3-B1CD-2EBF04F8133E}"/>
-          </ac:spMkLst>
-        </pc:spChg>
-      </pc:sldChg>
-      <pc:sldChg chg="addSp delSp modSp">
-        <pc:chgData name="Alexandre" userId="3842a3c4-afd2-4399-8cb0-95fceacd12a1" providerId="ADAL" clId="{7F7C5543-6550-43AB-9DC6-F18B7FB45F3C}" dt="2021-01-10T16:11:38.164" v="34" actId="20577"/>
-        <pc:sldMkLst>
-          <pc:docMk/>
-          <pc:sldMk cId="1521114461" sldId="277"/>
-        </pc:sldMkLst>
-        <pc:spChg chg="add mod">
-          <ac:chgData name="Alexandre" userId="3842a3c4-afd2-4399-8cb0-95fceacd12a1" providerId="ADAL" clId="{7F7C5543-6550-43AB-9DC6-F18B7FB45F3C}" dt="2021-01-10T16:11:38.164" v="34" actId="20577"/>
-          <ac:spMkLst>
-            <pc:docMk/>
-            <pc:sldMk cId="1521114461" sldId="277"/>
-            <ac:spMk id="3" creationId="{BA9C9D24-F3F2-40FE-915B-4E22D9098090}"/>
-          </ac:spMkLst>
-        </pc:spChg>
-        <pc:spChg chg="del">
-          <ac:chgData name="Alexandre" userId="3842a3c4-afd2-4399-8cb0-95fceacd12a1" providerId="ADAL" clId="{7F7C5543-6550-43AB-9DC6-F18B7FB45F3C}" dt="2021-01-10T15:28:07.044" v="13" actId="478"/>
-          <ac:spMkLst>
-            <pc:docMk/>
-            <pc:sldMk cId="1521114461" sldId="277"/>
-            <ac:spMk id="5" creationId="{ECEF2217-74C7-4BBB-918E-AE6160E85726}"/>
-          </ac:spMkLst>
-        </pc:spChg>
       </pc:sldChg>
     </pc:docChg>
   </pc:docChgLst>
@@ -1923,7 +1923,7 @@
           <a:p>
             <a:fld id="{BB07E422-4E17-4795-B38C-946CF7A1C016}" type="slidenum">
               <a:rPr lang="fr-FR" smtClean="0"/>
-              <a:t>‹N°›</a:t>
+              <a:t>‹#›</a:t>
             </a:fld>
             <a:endParaRPr lang="fr-FR"/>
           </a:p>
@@ -2317,7 +2317,7 @@
           <a:p>
             <a:fld id="{C8CA39C6-211D-4B66-AC18-282592B0A417}" type="slidenum">
               <a:rPr lang="fr-FR" smtClean="0"/>
-              <a:t>‹N°›</a:t>
+              <a:t>‹#›</a:t>
             </a:fld>
             <a:endParaRPr lang="fr-FR"/>
           </a:p>
@@ -2515,7 +2515,7 @@
           <a:p>
             <a:fld id="{C8CA39C6-211D-4B66-AC18-282592B0A417}" type="slidenum">
               <a:rPr lang="fr-FR" smtClean="0"/>
-              <a:t>‹N°›</a:t>
+              <a:t>‹#›</a:t>
             </a:fld>
             <a:endParaRPr lang="fr-FR"/>
           </a:p>
@@ -2723,7 +2723,7 @@
           <a:p>
             <a:fld id="{C8CA39C6-211D-4B66-AC18-282592B0A417}" type="slidenum">
               <a:rPr lang="fr-FR" smtClean="0"/>
-              <a:t>‹N°›</a:t>
+              <a:t>‹#›</a:t>
             </a:fld>
             <a:endParaRPr lang="fr-FR"/>
           </a:p>
@@ -2921,7 +2921,7 @@
           <a:p>
             <a:fld id="{C8CA39C6-211D-4B66-AC18-282592B0A417}" type="slidenum">
               <a:rPr lang="fr-FR" smtClean="0"/>
-              <a:t>‹N°›</a:t>
+              <a:t>‹#›</a:t>
             </a:fld>
             <a:endParaRPr lang="fr-FR"/>
           </a:p>
@@ -3196,7 +3196,7 @@
           <a:p>
             <a:fld id="{C8CA39C6-211D-4B66-AC18-282592B0A417}" type="slidenum">
               <a:rPr lang="fr-FR" smtClean="0"/>
-              <a:t>‹N°›</a:t>
+              <a:t>‹#›</a:t>
             </a:fld>
             <a:endParaRPr lang="fr-FR"/>
           </a:p>
@@ -3461,7 +3461,7 @@
           <a:p>
             <a:fld id="{C8CA39C6-211D-4B66-AC18-282592B0A417}" type="slidenum">
               <a:rPr lang="fr-FR" smtClean="0"/>
-              <a:t>‹N°›</a:t>
+              <a:t>‹#›</a:t>
             </a:fld>
             <a:endParaRPr lang="fr-FR"/>
           </a:p>
@@ -3873,7 +3873,7 @@
           <a:p>
             <a:fld id="{C8CA39C6-211D-4B66-AC18-282592B0A417}" type="slidenum">
               <a:rPr lang="fr-FR" smtClean="0"/>
-              <a:t>‹N°›</a:t>
+              <a:t>‹#›</a:t>
             </a:fld>
             <a:endParaRPr lang="fr-FR"/>
           </a:p>
@@ -4014,7 +4014,7 @@
           <a:p>
             <a:fld id="{C8CA39C6-211D-4B66-AC18-282592B0A417}" type="slidenum">
               <a:rPr lang="fr-FR" smtClean="0"/>
-              <a:t>‹N°›</a:t>
+              <a:t>‹#›</a:t>
             </a:fld>
             <a:endParaRPr lang="fr-FR"/>
           </a:p>
@@ -4127,7 +4127,7 @@
           <a:p>
             <a:fld id="{C8CA39C6-211D-4B66-AC18-282592B0A417}" type="slidenum">
               <a:rPr lang="fr-FR" smtClean="0"/>
-              <a:t>‹N°›</a:t>
+              <a:t>‹#›</a:t>
             </a:fld>
             <a:endParaRPr lang="fr-FR"/>
           </a:p>
@@ -4438,7 +4438,7 @@
           <a:p>
             <a:fld id="{C8CA39C6-211D-4B66-AC18-282592B0A417}" type="slidenum">
               <a:rPr lang="fr-FR" smtClean="0"/>
-              <a:t>‹N°›</a:t>
+              <a:t>‹#›</a:t>
             </a:fld>
             <a:endParaRPr lang="fr-FR"/>
           </a:p>
@@ -4726,7 +4726,7 @@
           <a:p>
             <a:fld id="{C8CA39C6-211D-4B66-AC18-282592B0A417}" type="slidenum">
               <a:rPr lang="fr-FR" smtClean="0"/>
-              <a:t>‹N°›</a:t>
+              <a:t>‹#›</a:t>
             </a:fld>
             <a:endParaRPr lang="fr-FR"/>
           </a:p>
@@ -5003,7 +5003,7 @@
           <a:p>
             <a:fld id="{C8CA39C6-211D-4B66-AC18-282592B0A417}" type="slidenum">
               <a:rPr lang="fr-FR" smtClean="0"/>
-              <a:t>‹N°›</a:t>
+              <a:t>‹#›</a:t>
             </a:fld>
             <a:endParaRPr lang="fr-FR"/>
           </a:p>
@@ -5360,26 +5360,26 @@
           <a:p>
             <a:pPr algn="l" rtl="0"/>
             <a:r>
-              <a:rPr lang="fr-FR" sz="8000" dirty="0"/>
+              <a:rPr lang="fr-FR" sz="8000"/>
               <a:t>Polish </a:t>
             </a:r>
             <a:r>
-              <a:rPr lang="fr-FR" sz="8000" dirty="0" err="1"/>
+              <a:rPr lang="fr-FR" sz="8000" err="1"/>
               <a:t>Companies</a:t>
             </a:r>
             <a:r>
-              <a:rPr lang="fr-FR" sz="8000" dirty="0"/>
+              <a:rPr lang="fr-FR" sz="8000"/>
               <a:t> </a:t>
             </a:r>
             <a:r>
-              <a:rPr lang="fr-FR" sz="8000" dirty="0" err="1"/>
+              <a:rPr lang="fr-FR" sz="8000" err="1"/>
               <a:t>Bankruptcy</a:t>
             </a:r>
             <a:r>
-              <a:rPr lang="fr-FR" sz="8000" dirty="0"/>
+              <a:rPr lang="fr-FR" sz="8000"/>
               <a:t> Data</a:t>
             </a:r>
-            <a:endParaRPr lang="fr" sz="8000" dirty="0"/>
+            <a:endParaRPr lang="fr" sz="8000"/>
           </a:p>
         </p:txBody>
       </p:sp>
@@ -5413,7 +5413,7 @@
           <a:p>
             <a:pPr algn="l" rtl="0"/>
             <a:r>
-              <a:rPr lang="fr-FR" sz="2400" dirty="0">
+              <a:rPr lang="fr-FR" sz="2400">
                 <a:solidFill>
                   <a:schemeClr val="tx1">
                     <a:lumMod val="85000"/>
@@ -5427,7 +5427,7 @@
           <a:p>
             <a:pPr algn="l" rtl="0"/>
             <a:r>
-              <a:rPr lang="fr-FR" dirty="0">
+              <a:rPr lang="fr-FR">
                 <a:solidFill>
                   <a:schemeClr val="tx1">
                     <a:lumMod val="85000"/>
@@ -5437,7 +5437,7 @@
               </a:rPr>
               <a:t>ESILV A4 – DIA 1</a:t>
             </a:r>
-            <a:endParaRPr lang="fr" sz="2400" dirty="0">
+            <a:endParaRPr lang="fr" sz="2400">
               <a:solidFill>
                 <a:schemeClr val="tx1">
                   <a:lumMod val="85000"/>
@@ -7418,7 +7418,7 @@
           <a:lstStyle/>
           <a:p>
             <a:r>
-              <a:rPr lang="fr-FR" dirty="0"/>
+              <a:rPr lang="fr-FR"/>
               <a:t>5 DATASETS </a:t>
             </a:r>
           </a:p>
@@ -7496,152 +7496,152 @@
           <a:lstStyle/>
           <a:p>
             <a:r>
-              <a:rPr lang="fr-FR" dirty="0"/>
+              <a:rPr lang="fr-FR"/>
               <a:t>For </a:t>
             </a:r>
             <a:r>
-              <a:rPr lang="fr-FR" dirty="0" err="1"/>
+              <a:rPr lang="fr-FR" err="1"/>
               <a:t>each</a:t>
             </a:r>
             <a:r>
-              <a:rPr lang="fr-FR" dirty="0"/>
+              <a:rPr lang="fr-FR"/>
               <a:t> data set, </a:t>
             </a:r>
             <a:r>
-              <a:rPr lang="fr-FR" dirty="0" err="1"/>
+              <a:rPr lang="fr-FR" err="1"/>
               <a:t>we</a:t>
             </a:r>
             <a:r>
-              <a:rPr lang="fr-FR" dirty="0"/>
+              <a:rPr lang="fr-FR"/>
               <a:t> do the </a:t>
             </a:r>
             <a:r>
-              <a:rPr lang="fr-FR" dirty="0" err="1"/>
+              <a:rPr lang="fr-FR" err="1"/>
               <a:t>same</a:t>
             </a:r>
             <a:r>
-              <a:rPr lang="fr-FR" dirty="0"/>
+              <a:rPr lang="fr-FR"/>
               <a:t> analyse </a:t>
             </a:r>
             <a:r>
-              <a:rPr lang="fr-FR" dirty="0" err="1"/>
+              <a:rPr lang="fr-FR" err="1"/>
               <a:t>so</a:t>
             </a:r>
             <a:r>
-              <a:rPr lang="fr-FR" dirty="0"/>
+              <a:rPr lang="fr-FR"/>
               <a:t> :</a:t>
             </a:r>
           </a:p>
           <a:p>
             <a:pPr lvl="1"/>
             <a:r>
-              <a:rPr lang="fr-FR" dirty="0" err="1"/>
+              <a:rPr lang="fr-FR" err="1"/>
               <a:t>Visualize</a:t>
             </a:r>
             <a:r>
-              <a:rPr lang="fr-FR" dirty="0"/>
+              <a:rPr lang="fr-FR"/>
               <a:t> the </a:t>
             </a:r>
             <a:r>
-              <a:rPr lang="fr-FR" dirty="0" err="1"/>
+              <a:rPr lang="fr-FR" err="1"/>
               <a:t>number</a:t>
             </a:r>
             <a:r>
-              <a:rPr lang="fr-FR" dirty="0"/>
+              <a:rPr lang="fr-FR"/>
               <a:t> of </a:t>
             </a:r>
             <a:r>
-              <a:rPr lang="fr-FR" dirty="0" err="1"/>
+              <a:rPr lang="fr-FR" err="1"/>
               <a:t>missing</a:t>
             </a:r>
             <a:r>
-              <a:rPr lang="fr-FR" dirty="0"/>
+              <a:rPr lang="fr-FR"/>
               <a:t> values per variable</a:t>
             </a:r>
           </a:p>
           <a:p>
             <a:pPr lvl="1"/>
             <a:r>
-              <a:rPr lang="fr-FR" dirty="0" err="1"/>
+              <a:rPr lang="fr-FR" err="1"/>
               <a:t>Visualize</a:t>
             </a:r>
             <a:r>
-              <a:rPr lang="fr-FR" dirty="0"/>
+              <a:rPr lang="fr-FR"/>
               <a:t> the </a:t>
             </a:r>
             <a:r>
-              <a:rPr lang="fr-FR" dirty="0" err="1"/>
+              <a:rPr lang="fr-FR" err="1"/>
               <a:t>mean</a:t>
             </a:r>
             <a:r>
-              <a:rPr lang="fr-FR" dirty="0"/>
+              <a:rPr lang="fr-FR"/>
               <a:t> rate and the medium rate of change</a:t>
             </a:r>
           </a:p>
           <a:p>
             <a:pPr lvl="1"/>
             <a:r>
-              <a:rPr lang="fr-FR" dirty="0" err="1"/>
+              <a:rPr lang="fr-FR" err="1"/>
               <a:t>Make</a:t>
             </a:r>
             <a:r>
-              <a:rPr lang="fr-FR" dirty="0"/>
+              <a:rPr lang="fr-FR"/>
               <a:t> a cross validation to tune the </a:t>
             </a:r>
             <a:r>
-              <a:rPr lang="fr-FR" dirty="0" err="1"/>
+              <a:rPr lang="fr-FR" err="1"/>
               <a:t>parameters</a:t>
             </a:r>
-            <a:endParaRPr lang="fr-FR" dirty="0"/>
+            <a:endParaRPr lang="fr-FR"/>
           </a:p>
           <a:p>
             <a:pPr lvl="1"/>
             <a:r>
-              <a:rPr lang="fr-FR" dirty="0" err="1"/>
+              <a:rPr lang="fr-FR" err="1"/>
               <a:t>Print</a:t>
             </a:r>
             <a:r>
-              <a:rPr lang="fr-FR" dirty="0"/>
+              <a:rPr lang="fr-FR"/>
               <a:t> the </a:t>
             </a:r>
             <a:r>
-              <a:rPr lang="fr-FR" dirty="0" err="1"/>
+              <a:rPr lang="fr-FR" err="1"/>
               <a:t>accuracy</a:t>
             </a:r>
-            <a:endParaRPr lang="fr-FR" dirty="0"/>
+            <a:endParaRPr lang="fr-FR"/>
           </a:p>
           <a:p>
             <a:pPr lvl="1"/>
             <a:r>
-              <a:rPr lang="fr-FR" dirty="0" err="1"/>
+              <a:rPr lang="fr-FR" err="1"/>
               <a:t>Visualize</a:t>
             </a:r>
             <a:r>
-              <a:rPr lang="fr-FR" dirty="0"/>
+              <a:rPr lang="fr-FR"/>
               <a:t> the best </a:t>
             </a:r>
             <a:r>
-              <a:rPr lang="fr-FR" dirty="0" err="1"/>
+              <a:rPr lang="fr-FR" err="1"/>
               <a:t>represented</a:t>
             </a:r>
             <a:r>
-              <a:rPr lang="fr-FR" dirty="0"/>
+              <a:rPr lang="fr-FR"/>
               <a:t> variables</a:t>
             </a:r>
           </a:p>
           <a:p>
             <a:pPr lvl="1"/>
             <a:r>
-              <a:rPr lang="fr-FR" dirty="0" err="1"/>
+              <a:rPr lang="fr-FR" err="1"/>
               <a:t>Print</a:t>
             </a:r>
             <a:r>
-              <a:rPr lang="fr-FR" dirty="0"/>
+              <a:rPr lang="fr-FR"/>
               <a:t> the confusion matrix </a:t>
             </a:r>
           </a:p>
           <a:p>
-            <a:endParaRPr lang="fr-FR" dirty="0"/>
+            <a:endParaRPr lang="fr-FR"/>
           </a:p>
         </p:txBody>
       </p:sp>
@@ -10415,7 +10415,7 @@
           <a:lstStyle/>
           <a:p>
             <a:r>
-              <a:rPr lang="fr-FR" dirty="0"/>
+              <a:rPr lang="fr-FR"/>
               <a:t>VARIABLES IMPORTANCE</a:t>
             </a:r>
           </a:p>
@@ -10775,7 +10775,7 @@
           <a:lstStyle/>
           <a:p>
             <a:r>
-              <a:rPr lang="fr-FR" dirty="0"/>
+              <a:rPr lang="fr-FR"/>
               <a:t>DATA SET INFORMATION</a:t>
             </a:r>
           </a:p>
@@ -10805,11 +10805,11 @@
           <a:lstStyle/>
           <a:p>
             <a:r>
-              <a:rPr lang="fr-FR" dirty="0" err="1"/>
+              <a:rPr lang="fr-FR" err="1"/>
               <a:t>Bankruptcy</a:t>
             </a:r>
             <a:r>
-              <a:rPr lang="fr-FR" dirty="0"/>
+              <a:rPr lang="fr-FR"/>
               <a:t> </a:t>
             </a:r>
             <a:r>
@@ -10817,159 +10817,159 @@
               <a:t>prediction</a:t>
             </a:r>
             <a:r>
-              <a:rPr lang="fr-FR" dirty="0"/>
+              <a:rPr lang="fr-FR"/>
               <a:t> of polish </a:t>
             </a:r>
             <a:r>
-              <a:rPr lang="fr-FR" dirty="0" err="1"/>
+              <a:rPr lang="fr-FR" err="1"/>
               <a:t>companies</a:t>
             </a:r>
-            <a:endParaRPr lang="fr-FR" dirty="0"/>
+            <a:endParaRPr lang="fr-FR"/>
           </a:p>
           <a:p>
             <a:pPr lvl="1"/>
             <a:r>
-              <a:rPr lang="fr-FR" dirty="0"/>
+              <a:rPr lang="fr-FR"/>
               <a:t>Analyse in the </a:t>
             </a:r>
             <a:r>
-              <a:rPr lang="fr-FR" dirty="0" err="1"/>
+              <a:rPr lang="fr-FR" err="1"/>
               <a:t>period</a:t>
             </a:r>
             <a:r>
-              <a:rPr lang="fr-FR" dirty="0"/>
+              <a:rPr lang="fr-FR"/>
               <a:t> of 2000 – 2012 for the </a:t>
             </a:r>
             <a:r>
-              <a:rPr lang="fr-FR" dirty="0" err="1"/>
+              <a:rPr lang="fr-FR" err="1"/>
               <a:t>bankrupt</a:t>
             </a:r>
             <a:r>
-              <a:rPr lang="fr-FR" dirty="0"/>
+              <a:rPr lang="fr-FR"/>
               <a:t> </a:t>
             </a:r>
             <a:r>
-              <a:rPr lang="fr-FR" dirty="0" err="1"/>
+              <a:rPr lang="fr-FR" err="1"/>
               <a:t>companies</a:t>
             </a:r>
-            <a:endParaRPr lang="fr-FR" dirty="0"/>
+            <a:endParaRPr lang="fr-FR"/>
           </a:p>
           <a:p>
             <a:pPr lvl="1"/>
             <a:r>
-              <a:rPr lang="fr-FR" dirty="0"/>
+              <a:rPr lang="fr-FR"/>
               <a:t>Analyse in the </a:t>
             </a:r>
             <a:r>
-              <a:rPr lang="fr-FR" dirty="0" err="1"/>
+              <a:rPr lang="fr-FR" err="1"/>
               <a:t>period</a:t>
             </a:r>
             <a:r>
-              <a:rPr lang="fr-FR" dirty="0"/>
+              <a:rPr lang="fr-FR"/>
               <a:t> of 2007 – 2013 for the </a:t>
             </a:r>
             <a:r>
-              <a:rPr lang="fr-FR" dirty="0" err="1"/>
+              <a:rPr lang="fr-FR" err="1"/>
               <a:t>still</a:t>
             </a:r>
             <a:r>
-              <a:rPr lang="fr-FR" dirty="0"/>
+              <a:rPr lang="fr-FR"/>
               <a:t> operating </a:t>
             </a:r>
             <a:r>
-              <a:rPr lang="fr-FR" dirty="0" err="1"/>
+              <a:rPr lang="fr-FR" err="1"/>
               <a:t>companies</a:t>
             </a:r>
-            <a:endParaRPr lang="fr-FR" dirty="0"/>
-          </a:p>
-          <a:p>
-            <a:endParaRPr lang="fr-FR" dirty="0"/>
-          </a:p>
-          <a:p>
-            <a:r>
-              <a:rPr lang="fr-FR" dirty="0"/>
+            <a:endParaRPr lang="fr-FR"/>
+          </a:p>
+          <a:p>
+            <a:endParaRPr lang="fr-FR"/>
+          </a:p>
+          <a:p>
+            <a:r>
+              <a:rPr lang="fr-FR"/>
               <a:t>5 classification cases about </a:t>
             </a:r>
             <a:r>
-              <a:rPr lang="fr-FR" dirty="0" err="1"/>
+              <a:rPr lang="fr-FR" err="1"/>
               <a:t>financial</a:t>
             </a:r>
             <a:r>
-              <a:rPr lang="fr-FR" dirty="0"/>
+              <a:rPr lang="fr-FR"/>
               <a:t> rates of the </a:t>
             </a:r>
             <a:r>
-              <a:rPr lang="fr-FR" dirty="0" err="1"/>
+              <a:rPr lang="fr-FR" err="1"/>
               <a:t>forecasting</a:t>
             </a:r>
             <a:r>
-              <a:rPr lang="fr-FR" dirty="0"/>
+              <a:rPr lang="fr-FR"/>
               <a:t> </a:t>
             </a:r>
             <a:r>
-              <a:rPr lang="fr-FR" dirty="0" err="1"/>
+              <a:rPr lang="fr-FR" err="1"/>
               <a:t>period</a:t>
             </a:r>
             <a:r>
-              <a:rPr lang="fr-FR" dirty="0"/>
+              <a:rPr lang="fr-FR"/>
               <a:t> and the </a:t>
             </a:r>
             <a:r>
-              <a:rPr lang="fr-FR" dirty="0" err="1"/>
+              <a:rPr lang="fr-FR" err="1"/>
               <a:t>corresponding</a:t>
             </a:r>
             <a:r>
-              <a:rPr lang="fr-FR" dirty="0"/>
+              <a:rPr lang="fr-FR"/>
               <a:t> class label </a:t>
             </a:r>
             <a:r>
-              <a:rPr lang="fr-FR" dirty="0" err="1"/>
+              <a:rPr lang="fr-FR" err="1"/>
               <a:t>that</a:t>
             </a:r>
             <a:r>
-              <a:rPr lang="fr-FR" dirty="0"/>
+              <a:rPr lang="fr-FR"/>
               <a:t> </a:t>
             </a:r>
             <a:r>
-              <a:rPr lang="fr-FR" dirty="0" err="1"/>
+              <a:rPr lang="fr-FR" err="1"/>
               <a:t>indicates</a:t>
             </a:r>
             <a:r>
-              <a:rPr lang="fr-FR" dirty="0"/>
+              <a:rPr lang="fr-FR"/>
               <a:t> </a:t>
             </a:r>
             <a:r>
-              <a:rPr lang="fr-FR" dirty="0" err="1"/>
+              <a:rPr lang="fr-FR" err="1"/>
               <a:t>bankruptpcy</a:t>
             </a:r>
             <a:r>
-              <a:rPr lang="fr-FR" dirty="0"/>
+              <a:rPr lang="fr-FR"/>
               <a:t> </a:t>
             </a:r>
             <a:r>
-              <a:rPr lang="fr-FR" dirty="0" err="1"/>
+              <a:rPr lang="fr-FR" err="1"/>
               <a:t>status</a:t>
             </a:r>
-            <a:endParaRPr lang="fr-FR" dirty="0"/>
-          </a:p>
-          <a:p>
-            <a:endParaRPr lang="fr-FR" dirty="0"/>
-          </a:p>
-          <a:p>
-            <a:r>
-              <a:rPr lang="en-US" dirty="0"/>
+            <a:endParaRPr lang="fr-FR"/>
+          </a:p>
+          <a:p>
+            <a:endParaRPr lang="fr-FR"/>
+          </a:p>
+          <a:p>
+            <a:r>
+              <a:rPr lang="en-US"/>
               <a:t>This analysis allows companies to evaluate their situation. It is also useful for banks to decide whether or not to grant loans to them.</a:t>
             </a:r>
           </a:p>
           <a:p>
-            <a:endParaRPr lang="fr-FR" dirty="0"/>
-          </a:p>
-          <a:p>
-            <a:r>
-              <a:rPr lang="en-US" dirty="0"/>
+            <a:endParaRPr lang="fr-FR"/>
+          </a:p>
+          <a:p>
+            <a:r>
+              <a:rPr lang="en-US"/>
               <a:t>The objective of our analysis is to find the best bankruptcy forecasting model and the potential anomalies that would affect the company's situation.</a:t>
             </a:r>
-            <a:endParaRPr lang="fr-FR" dirty="0"/>
+            <a:endParaRPr lang="fr-FR"/>
           </a:p>
         </p:txBody>
       </p:sp>
@@ -11149,7 +11149,7 @@
               <a:buChar char="•"/>
             </a:pPr>
             <a:r>
-              <a:rPr lang="en-US" dirty="0">
+              <a:rPr lang="en-US">
                 <a:latin typeface="-apple-system"/>
               </a:rPr>
               <a:t>This dataset was a challenging dataset</a:t>
@@ -11161,7 +11161,7 @@
               <a:buChar char="•"/>
             </a:pPr>
             <a:r>
-              <a:rPr lang="en-US" dirty="0">
+              <a:rPr lang="en-US">
                 <a:latin typeface="-apple-system"/>
               </a:rPr>
               <a:t>First there was a lot missing data and it took us a lot of time before we could make tests with the integrality of the dataset</a:t>
@@ -11173,7 +11173,7 @@
               <a:buChar char="•"/>
             </a:pPr>
             <a:r>
-              <a:rPr lang="en-US" dirty="0">
+              <a:rPr lang="en-US">
                 <a:latin typeface="-apple-system"/>
               </a:rPr>
               <a:t>Then our data was fragmented in several files depending on the year it was collected, we decided to keep this fragmentation and make 5 analysis (in fact one analysis generalized to all the others datasets in a later time)</a:t>
@@ -11185,7 +11185,7 @@
               <a:buChar char="•"/>
             </a:pPr>
             <a:r>
-              <a:rPr lang="en-US" dirty="0">
+              <a:rPr lang="en-US">
                 <a:latin typeface="-apple-system"/>
               </a:rPr>
               <a:t>This approach was the right one as at the end we can see some differences on the variable importance between the different datasets. We have a great overall accuracy. But as there isn't that much bankrupted companies (thank you god) it is difficult for the model to catch up all the important points.</a:t>
@@ -11197,7 +11197,7 @@
               <a:buChar char="•"/>
             </a:pPr>
             <a:r>
-              <a:rPr lang="en-US" dirty="0">
+              <a:rPr lang="en-US">
                 <a:latin typeface="-apple-system"/>
               </a:rPr>
               <a:t>In the website we do not ask enough variables to user which leads to extremely bad results</a:t>
@@ -11209,7 +11209,7 @@
               <a:buChar char="•"/>
             </a:pPr>
             <a:r>
-              <a:rPr lang="en-US" dirty="0">
+              <a:rPr lang="en-US">
                 <a:latin typeface="-apple-system"/>
               </a:rPr>
               <a:t>Here is a list of things we could have done (better):</a:t>
@@ -11221,7 +11221,7 @@
               <a:buChar char="•"/>
             </a:pPr>
             <a:r>
-              <a:rPr lang="en-US" dirty="0">
+              <a:rPr lang="en-US">
                 <a:latin typeface="-apple-system"/>
               </a:rPr>
               <a:t>Duplicate the bankrupted data and add some noise add weight to this small class</a:t>
@@ -11233,22 +11233,10 @@
               <a:buChar char="•"/>
             </a:pPr>
             <a:r>
-              <a:rPr lang="en-US" dirty="0">
-                <a:latin typeface="-apple-system"/>
-              </a:rPr>
-              <a:t>Focus less on hyperparameters optimization it took us a lot </a:t>
-            </a:r>
-            <a:r>
               <a:rPr lang="en-US">
                 <a:latin typeface="-apple-system"/>
               </a:rPr>
-              <a:t>of both </a:t>
-            </a:r>
-            <a:r>
-              <a:rPr lang="en-US" dirty="0">
-                <a:latin typeface="-apple-system"/>
-              </a:rPr>
-              <a:t>computational and personal time to get a moderate amelioration</a:t>
+              <a:t>Focus less on hyperparameters optimization it took us a lot of both computational and personal time to get a moderate amelioration</a:t>
             </a:r>
           </a:p>
           <a:p>
@@ -11257,7 +11245,7 @@
               <a:buChar char="•"/>
             </a:pPr>
             <a:r>
-              <a:rPr lang="en-US" dirty="0">
+              <a:rPr lang="en-US">
                 <a:latin typeface="-apple-system"/>
               </a:rPr>
               <a:t>Remove some variables, we're used to remove insignificant variables in regressions but not in classification. This may come from the fact that our tree balances himself alone by choosing were he's cutting and that this step unnecessary.</a:t>
@@ -11265,12 +11253,12 @@
           </a:p>
           <a:p>
             <a:r>
-              <a:rPr lang="en-US" dirty="0">
+              <a:rPr lang="en-US">
                 <a:latin typeface="-apple-system"/>
               </a:rPr>
               <a:t>Thank you for your attention Alexandre and Julie</a:t>
             </a:r>
-            <a:endParaRPr lang="en-US" b="0" i="0" dirty="0">
+            <a:endParaRPr lang="en-US" b="0" i="0">
               <a:effectLst/>
               <a:latin typeface="-apple-system"/>
             </a:endParaRPr>
@@ -11329,7 +11317,7 @@
           <a:lstStyle/>
           <a:p>
             <a:r>
-              <a:rPr lang="fr-FR" dirty="0"/>
+              <a:rPr lang="fr-FR"/>
               <a:t>DATA EXPLORATION</a:t>
             </a:r>
           </a:p>
@@ -11364,125 +11352,125 @@
           <a:lstStyle/>
           <a:p>
             <a:r>
-              <a:rPr lang="fr-FR" dirty="0" err="1"/>
+              <a:rPr lang="fr-FR" err="1"/>
               <a:t>After</a:t>
             </a:r>
             <a:r>
-              <a:rPr lang="fr-FR" dirty="0"/>
+              <a:rPr lang="fr-FR"/>
               <a:t> a first exploration of the data, </a:t>
             </a:r>
             <a:r>
-              <a:rPr lang="fr-FR" dirty="0" err="1"/>
+              <a:rPr lang="fr-FR" err="1"/>
               <a:t>we</a:t>
             </a:r>
             <a:r>
-              <a:rPr lang="fr-FR" dirty="0"/>
+              <a:rPr lang="fr-FR"/>
               <a:t> </a:t>
             </a:r>
             <a:r>
-              <a:rPr lang="fr-FR" dirty="0" err="1"/>
+              <a:rPr lang="fr-FR" err="1"/>
               <a:t>decided</a:t>
             </a:r>
             <a:r>
-              <a:rPr lang="fr-FR" dirty="0"/>
+              <a:rPr lang="fr-FR"/>
               <a:t> to </a:t>
             </a:r>
             <a:r>
-              <a:rPr lang="fr-FR" dirty="0" err="1"/>
+              <a:rPr lang="fr-FR" err="1"/>
               <a:t>load</a:t>
             </a:r>
             <a:r>
-              <a:rPr lang="fr-FR" dirty="0"/>
+              <a:rPr lang="fr-FR"/>
               <a:t> a shorter </a:t>
             </a:r>
             <a:r>
-              <a:rPr lang="fr-FR" dirty="0" err="1"/>
+              <a:rPr lang="fr-FR" err="1"/>
               <a:t>naming</a:t>
             </a:r>
             <a:r>
-              <a:rPr lang="fr-FR" dirty="0"/>
+              <a:rPr lang="fr-FR"/>
               <a:t> system for variables : X1, X2, X3…</a:t>
             </a:r>
           </a:p>
           <a:p>
-            <a:endParaRPr lang="fr-FR" dirty="0"/>
-          </a:p>
-          <a:p>
-            <a:r>
-              <a:rPr lang="fr-FR" dirty="0" err="1"/>
+            <a:endParaRPr lang="fr-FR"/>
+          </a:p>
+          <a:p>
+            <a:r>
+              <a:rPr lang="fr-FR" err="1"/>
               <a:t>Then</a:t>
             </a:r>
             <a:r>
-              <a:rPr lang="fr-FR" dirty="0"/>
+              <a:rPr lang="fr-FR"/>
               <a:t> </a:t>
             </a:r>
             <a:r>
-              <a:rPr lang="fr-FR" dirty="0" err="1"/>
+              <a:rPr lang="fr-FR" err="1"/>
               <a:t>we</a:t>
             </a:r>
             <a:r>
-              <a:rPr lang="fr-FR" dirty="0"/>
+              <a:rPr lang="fr-FR"/>
               <a:t> plot an </a:t>
             </a:r>
             <a:r>
-              <a:rPr lang="fr-FR" dirty="0" err="1"/>
+              <a:rPr lang="fr-FR" err="1"/>
               <a:t>heatmap</a:t>
             </a:r>
             <a:r>
-              <a:rPr lang="fr-FR" dirty="0"/>
+              <a:rPr lang="fr-FR"/>
               <a:t> to </a:t>
             </a:r>
             <a:r>
-              <a:rPr lang="fr-FR" dirty="0" err="1"/>
+              <a:rPr lang="fr-FR" err="1"/>
               <a:t>identify</a:t>
             </a:r>
             <a:r>
-              <a:rPr lang="fr-FR" dirty="0"/>
+              <a:rPr lang="fr-FR"/>
               <a:t> if </a:t>
             </a:r>
             <a:r>
-              <a:rPr lang="fr-FR" dirty="0" err="1"/>
+              <a:rPr lang="fr-FR" err="1"/>
               <a:t>we</a:t>
             </a:r>
             <a:r>
-              <a:rPr lang="fr-FR" dirty="0"/>
+              <a:rPr lang="fr-FR"/>
               <a:t> can </a:t>
             </a:r>
             <a:r>
-              <a:rPr lang="fr-FR" dirty="0" err="1"/>
+              <a:rPr lang="fr-FR" err="1"/>
               <a:t>see</a:t>
             </a:r>
             <a:r>
-              <a:rPr lang="fr-FR" dirty="0"/>
+              <a:rPr lang="fr-FR"/>
               <a:t> </a:t>
             </a:r>
             <a:r>
-              <a:rPr lang="fr-FR" dirty="0" err="1"/>
+              <a:rPr lang="fr-FR" err="1"/>
               <a:t>missing</a:t>
             </a:r>
             <a:r>
-              <a:rPr lang="fr-FR" dirty="0"/>
+              <a:rPr lang="fr-FR"/>
               <a:t> data and yes, </a:t>
             </a:r>
             <a:r>
-              <a:rPr lang="fr-FR" dirty="0" err="1"/>
+              <a:rPr lang="fr-FR" err="1"/>
               <a:t>we</a:t>
             </a:r>
             <a:r>
-              <a:rPr lang="fr-FR" dirty="0"/>
+              <a:rPr lang="fr-FR"/>
               <a:t> have a lot </a:t>
             </a:r>
             <a:r>
-              <a:rPr lang="fr-FR" dirty="0" err="1"/>
+              <a:rPr lang="fr-FR" err="1"/>
               <a:t>missing</a:t>
             </a:r>
             <a:r>
-              <a:rPr lang="fr-FR" dirty="0"/>
+              <a:rPr lang="fr-FR"/>
               <a:t> data.</a:t>
             </a:r>
           </a:p>
           <a:p>
-            <a:endParaRPr lang="fr-FR" dirty="0"/>
+            <a:endParaRPr lang="fr-FR"/>
           </a:p>
         </p:txBody>
       </p:sp>
@@ -11611,7 +11599,7 @@
           <a:lstStyle/>
           <a:p>
             <a:r>
-              <a:rPr lang="fr-FR" dirty="0"/>
+              <a:rPr lang="fr-FR"/>
               <a:t>DATA PREPARATION : MISSING DATA</a:t>
             </a:r>
           </a:p>
@@ -11646,112 +11634,112 @@
           <a:lstStyle/>
           <a:p>
             <a:r>
-              <a:rPr lang="fr-FR" dirty="0" err="1"/>
+              <a:rPr lang="fr-FR" err="1"/>
               <a:t>We</a:t>
             </a:r>
             <a:r>
-              <a:rPr lang="fr-FR" dirty="0"/>
+              <a:rPr lang="fr-FR"/>
               <a:t> have a lot of </a:t>
             </a:r>
             <a:r>
-              <a:rPr lang="fr-FR" dirty="0" err="1"/>
+              <a:rPr lang="fr-FR" err="1"/>
               <a:t>missing</a:t>
             </a:r>
             <a:r>
-              <a:rPr lang="fr-FR" dirty="0"/>
+              <a:rPr lang="fr-FR"/>
               <a:t> data for </a:t>
             </a:r>
             <a:r>
-              <a:rPr lang="fr-FR" dirty="0" err="1"/>
+              <a:rPr lang="fr-FR" err="1"/>
               <a:t>some</a:t>
             </a:r>
             <a:r>
-              <a:rPr lang="fr-FR" dirty="0"/>
+              <a:rPr lang="fr-FR"/>
               <a:t> variables and </a:t>
             </a:r>
             <a:r>
-              <a:rPr lang="fr-FR" dirty="0" err="1"/>
+              <a:rPr lang="fr-FR" err="1"/>
               <a:t>we</a:t>
             </a:r>
             <a:r>
-              <a:rPr lang="fr-FR" dirty="0"/>
+              <a:rPr lang="fr-FR"/>
               <a:t> </a:t>
             </a:r>
             <a:r>
-              <a:rPr lang="fr-FR" dirty="0" err="1"/>
+              <a:rPr lang="fr-FR" err="1"/>
               <a:t>won’t</a:t>
             </a:r>
             <a:r>
-              <a:rPr lang="fr-FR" dirty="0"/>
+              <a:rPr lang="fr-FR"/>
               <a:t> use a </a:t>
             </a:r>
             <a:r>
-              <a:rPr lang="fr-FR" dirty="0" err="1"/>
+              <a:rPr lang="fr-FR" err="1"/>
               <a:t>median</a:t>
             </a:r>
             <a:r>
-              <a:rPr lang="fr-FR" dirty="0"/>
+              <a:rPr lang="fr-FR"/>
               <a:t> or an </a:t>
             </a:r>
             <a:r>
-              <a:rPr lang="fr-FR" dirty="0" err="1"/>
+              <a:rPr lang="fr-FR" err="1"/>
               <a:t>average</a:t>
             </a:r>
             <a:r>
-              <a:rPr lang="fr-FR" dirty="0"/>
+              <a:rPr lang="fr-FR"/>
               <a:t> </a:t>
             </a:r>
             <a:r>
-              <a:rPr lang="fr-FR" dirty="0" err="1"/>
+              <a:rPr lang="fr-FR" err="1"/>
               <a:t>filing</a:t>
             </a:r>
             <a:r>
-              <a:rPr lang="fr-FR" dirty="0"/>
+              <a:rPr lang="fr-FR"/>
               <a:t> for </a:t>
             </a:r>
             <a:r>
-              <a:rPr lang="fr-FR" dirty="0" err="1"/>
+              <a:rPr lang="fr-FR" err="1"/>
               <a:t>missing</a:t>
             </a:r>
             <a:r>
-              <a:rPr lang="fr-FR" dirty="0"/>
+              <a:rPr lang="fr-FR"/>
               <a:t> values. There </a:t>
             </a:r>
             <a:r>
-              <a:rPr lang="fr-FR" dirty="0" err="1"/>
+              <a:rPr lang="fr-FR" err="1"/>
               <a:t>is</a:t>
             </a:r>
             <a:r>
-              <a:rPr lang="fr-FR" dirty="0"/>
+              <a:rPr lang="fr-FR"/>
               <a:t> an </a:t>
             </a:r>
             <a:r>
-              <a:rPr lang="fr-FR" dirty="0" err="1"/>
+              <a:rPr lang="fr-FR" err="1"/>
               <a:t>average</a:t>
             </a:r>
             <a:r>
-              <a:rPr lang="fr-FR" dirty="0"/>
+              <a:rPr lang="fr-FR"/>
               <a:t> of 1.5 </a:t>
             </a:r>
             <a:r>
-              <a:rPr lang="fr-FR" dirty="0" err="1"/>
+              <a:rPr lang="fr-FR" err="1"/>
               <a:t>missing</a:t>
             </a:r>
             <a:r>
-              <a:rPr lang="fr-FR" dirty="0"/>
+              <a:rPr lang="fr-FR"/>
               <a:t> values per </a:t>
             </a:r>
             <a:r>
-              <a:rPr lang="fr-FR" dirty="0" err="1"/>
+              <a:rPr lang="fr-FR" err="1"/>
               <a:t>element</a:t>
             </a:r>
             <a:r>
-              <a:rPr lang="fr-FR" dirty="0"/>
+              <a:rPr lang="fr-FR"/>
               <a:t>.</a:t>
             </a:r>
           </a:p>
           <a:p>
-            <a:endParaRPr lang="fr-FR" dirty="0"/>
+            <a:endParaRPr lang="fr-FR"/>
           </a:p>
           <a:p>
             <a:pPr>
@@ -11760,34 +11748,33 @@
               </a:spcBef>
             </a:pPr>
             <a:r>
-              <a:rPr lang="fr-FR" dirty="0"/>
+              <a:rPr lang="fr-FR"/>
               <a:t>To </a:t>
             </a:r>
             <a:r>
-              <a:rPr lang="fr-FR" dirty="0" err="1"/>
+              <a:rPr lang="fr-FR" err="1"/>
               <a:t>fill</a:t>
             </a:r>
             <a:r>
-              <a:rPr lang="fr-FR" dirty="0"/>
+              <a:rPr lang="fr-FR"/>
               <a:t> the </a:t>
             </a:r>
             <a:r>
-              <a:rPr lang="fr-FR" dirty="0" err="1"/>
+              <a:rPr lang="fr-FR" err="1"/>
               <a:t>missing</a:t>
             </a:r>
             <a:r>
-              <a:rPr lang="fr-FR" dirty="0"/>
+              <a:rPr lang="fr-FR"/>
               <a:t> values, </a:t>
             </a:r>
             <a:r>
-              <a:rPr lang="fr-FR" dirty="0" err="1"/>
+              <a:rPr lang="fr-FR" err="1"/>
               <a:t>we</a:t>
             </a:r>
             <a:r>
-              <a:rPr lang="fr-FR" dirty="0"/>
+              <a:rPr lang="fr-FR"/>
               <a:t> </a:t>
             </a:r>
-            <a:endParaRPr lang="fr-FR"/>
           </a:p>
           <a:p>
             <a:pPr marL="0" indent="0">
@@ -11797,26 +11784,25 @@
               <a:buNone/>
             </a:pPr>
             <a:r>
-              <a:rPr lang="fr-FR" dirty="0"/>
+              <a:rPr lang="fr-FR"/>
               <a:t>use a </a:t>
             </a:r>
             <a:r>
-              <a:rPr lang="fr-FR" dirty="0" err="1"/>
+              <a:rPr lang="fr-FR" err="1"/>
               <a:t>Linear</a:t>
             </a:r>
             <a:r>
-              <a:rPr lang="fr-FR" dirty="0"/>
+              <a:rPr lang="fr-FR"/>
               <a:t> </a:t>
             </a:r>
             <a:r>
-              <a:rPr lang="fr-FR" dirty="0" err="1"/>
+              <a:rPr lang="fr-FR" err="1"/>
               <a:t>Regression</a:t>
             </a:r>
             <a:r>
-              <a:rPr lang="fr-FR" dirty="0"/>
+              <a:rPr lang="fr-FR"/>
               <a:t> Model </a:t>
             </a:r>
-            <a:endParaRPr lang="fr-FR"/>
           </a:p>
           <a:p>
             <a:pPr marL="0" indent="0">
@@ -11826,26 +11812,25 @@
               <a:buNone/>
             </a:pPr>
             <a:r>
-              <a:rPr lang="fr-FR" dirty="0"/>
+              <a:rPr lang="fr-FR"/>
               <a:t>to </a:t>
             </a:r>
             <a:r>
-              <a:rPr lang="fr-FR" dirty="0" err="1"/>
+              <a:rPr lang="fr-FR" err="1"/>
               <a:t>predict</a:t>
             </a:r>
             <a:r>
-              <a:rPr lang="fr-FR" dirty="0"/>
+              <a:rPr lang="fr-FR"/>
               <a:t> </a:t>
             </a:r>
             <a:r>
-              <a:rPr lang="fr-FR" dirty="0" err="1"/>
+              <a:rPr lang="fr-FR" err="1"/>
               <a:t>them</a:t>
             </a:r>
             <a:r>
-              <a:rPr lang="fr-FR" dirty="0"/>
+              <a:rPr lang="fr-FR"/>
               <a:t>.</a:t>
             </a:r>
-            <a:endParaRPr lang="fr-FR"/>
           </a:p>
         </p:txBody>
       </p:sp>
@@ -11974,7 +11959,7 @@
           <a:lstStyle/>
           <a:p>
             <a:r>
-              <a:rPr lang="fr-FR" dirty="0"/>
+              <a:rPr lang="fr-FR"/>
               <a:t>MODELING</a:t>
             </a:r>
           </a:p>
@@ -12004,128 +11989,128 @@
           <a:lstStyle/>
           <a:p>
             <a:r>
-              <a:rPr lang="fr-FR" dirty="0" err="1"/>
+              <a:rPr lang="fr-FR" err="1"/>
               <a:t>We</a:t>
             </a:r>
             <a:r>
-              <a:rPr lang="fr-FR" dirty="0"/>
+              <a:rPr lang="fr-FR"/>
               <a:t> test 7 </a:t>
             </a:r>
             <a:r>
-              <a:rPr lang="fr-FR" dirty="0" err="1"/>
+              <a:rPr lang="fr-FR" err="1"/>
               <a:t>models</a:t>
             </a:r>
             <a:r>
-              <a:rPr lang="fr-FR" dirty="0"/>
+              <a:rPr lang="fr-FR"/>
               <a:t> and check for </a:t>
             </a:r>
             <a:r>
-              <a:rPr lang="fr-FR" dirty="0" err="1"/>
+              <a:rPr lang="fr-FR" err="1"/>
               <a:t>each</a:t>
             </a:r>
             <a:r>
-              <a:rPr lang="fr-FR" dirty="0"/>
+              <a:rPr lang="fr-FR"/>
               <a:t> the </a:t>
             </a:r>
             <a:r>
-              <a:rPr lang="fr-FR" dirty="0" err="1"/>
+              <a:rPr lang="fr-FR" err="1"/>
               <a:t>accuracy</a:t>
             </a:r>
             <a:r>
-              <a:rPr lang="fr-FR" dirty="0"/>
+              <a:rPr lang="fr-FR"/>
               <a:t> and confusion matrix :</a:t>
             </a:r>
           </a:p>
           <a:p>
             <a:pPr lvl="1"/>
             <a:r>
-              <a:rPr lang="fr-FR" sz="2800" dirty="0" err="1"/>
+              <a:rPr lang="fr-FR" sz="2800" err="1"/>
               <a:t>Logistic</a:t>
             </a:r>
             <a:r>
-              <a:rPr lang="fr-FR" sz="2800" dirty="0"/>
+              <a:rPr lang="fr-FR" sz="2800"/>
               <a:t> </a:t>
             </a:r>
             <a:r>
-              <a:rPr lang="fr-FR" sz="2800" dirty="0" err="1"/>
+              <a:rPr lang="fr-FR" sz="2800" err="1"/>
               <a:t>regression</a:t>
             </a:r>
-            <a:endParaRPr lang="fr-FR" sz="2800" dirty="0"/>
+            <a:endParaRPr lang="fr-FR" sz="2800"/>
           </a:p>
           <a:p>
             <a:pPr lvl="1"/>
             <a:r>
-              <a:rPr lang="fr-FR" sz="2800" dirty="0" err="1"/>
+              <a:rPr lang="fr-FR" sz="2800" err="1"/>
               <a:t>Decision</a:t>
             </a:r>
             <a:r>
-              <a:rPr lang="fr-FR" sz="2800" dirty="0"/>
+              <a:rPr lang="fr-FR" sz="2800"/>
               <a:t> </a:t>
             </a:r>
             <a:r>
-              <a:rPr lang="fr-FR" sz="2800" dirty="0" err="1"/>
+              <a:rPr lang="fr-FR" sz="2800" err="1"/>
               <a:t>Tree</a:t>
             </a:r>
-            <a:endParaRPr lang="fr-FR" sz="2800" dirty="0"/>
+            <a:endParaRPr lang="fr-FR" sz="2800"/>
           </a:p>
           <a:p>
             <a:pPr lvl="1"/>
             <a:r>
-              <a:rPr lang="fr-FR" sz="2800" dirty="0" err="1"/>
+              <a:rPr lang="fr-FR" sz="2800" err="1"/>
               <a:t>Gaussian</a:t>
             </a:r>
             <a:r>
-              <a:rPr lang="fr-FR" sz="2800" dirty="0"/>
+              <a:rPr lang="fr-FR" sz="2800"/>
               <a:t> </a:t>
             </a:r>
             <a:r>
-              <a:rPr lang="fr-FR" sz="2800" dirty="0" err="1"/>
+              <a:rPr lang="fr-FR" sz="2800" err="1"/>
               <a:t>Naive</a:t>
             </a:r>
             <a:r>
-              <a:rPr lang="fr-FR" sz="2800" dirty="0"/>
+              <a:rPr lang="fr-FR" sz="2800"/>
               <a:t> Bayes</a:t>
             </a:r>
           </a:p>
           <a:p>
             <a:pPr lvl="1"/>
             <a:r>
-              <a:rPr lang="fr-FR" sz="2800" dirty="0" err="1"/>
+              <a:rPr lang="fr-FR" sz="2800" err="1"/>
               <a:t>Random</a:t>
             </a:r>
             <a:r>
-              <a:rPr lang="fr-FR" sz="2800" dirty="0"/>
+              <a:rPr lang="fr-FR" sz="2800"/>
               <a:t> Forest Classifier</a:t>
             </a:r>
           </a:p>
           <a:p>
             <a:pPr lvl="1"/>
             <a:r>
-              <a:rPr lang="fr-FR" sz="2800" dirty="0" err="1"/>
+              <a:rPr lang="fr-FR" sz="2800" err="1"/>
               <a:t>Boosting</a:t>
             </a:r>
             <a:r>
-              <a:rPr lang="fr-FR" sz="2800" dirty="0"/>
+              <a:rPr lang="fr-FR" sz="2800"/>
               <a:t> Classifier</a:t>
             </a:r>
           </a:p>
           <a:p>
             <a:pPr lvl="1"/>
             <a:r>
-              <a:rPr lang="fr-FR" sz="2800" dirty="0"/>
+              <a:rPr lang="fr-FR" sz="2800"/>
               <a:t>KNN Classifier</a:t>
             </a:r>
           </a:p>
           <a:p>
             <a:pPr lvl="1"/>
             <a:r>
-              <a:rPr lang="fr-FR" sz="2800" dirty="0"/>
+              <a:rPr lang="fr-FR" sz="2800"/>
               <a:t>Bagging Classifier</a:t>
             </a:r>
           </a:p>
           <a:p>
             <a:pPr lvl="1"/>
-            <a:endParaRPr lang="fr-FR" dirty="0"/>
+            <a:endParaRPr lang="fr-FR"/>
           </a:p>
         </p:txBody>
       </p:sp>
@@ -12224,7 +12209,7 @@
           <a:lstStyle/>
           <a:p>
             <a:r>
-              <a:rPr lang="fr-FR" dirty="0"/>
+              <a:rPr lang="fr-FR"/>
               <a:t>ACCURACY</a:t>
             </a:r>
           </a:p>
@@ -12327,7 +12312,7 @@
                     <a:p>
                       <a:pPr algn="ctr"/>
                       <a:r>
-                        <a:rPr lang="fr-FR" sz="2400" b="1" dirty="0"/>
+                        <a:rPr lang="fr-FR" sz="2400" b="1"/>
                         <a:t>MODEL</a:t>
                       </a:r>
                     </a:p>
@@ -12347,7 +12332,7 @@
                     <a:p>
                       <a:pPr algn="ctr"/>
                       <a:r>
-                        <a:rPr lang="fr-FR" sz="2400" b="1" dirty="0"/>
+                        <a:rPr lang="fr-FR" sz="2400" b="1"/>
                         <a:t>ACCURACY</a:t>
                       </a:r>
                     </a:p>
@@ -12373,18 +12358,18 @@
                     <a:lstStyle/>
                     <a:p>
                       <a:r>
-                        <a:rPr lang="fr-FR" sz="2400" dirty="0" err="1"/>
+                        <a:rPr lang="fr-FR" sz="2400" err="1"/>
                         <a:t>Logistic</a:t>
                       </a:r>
                       <a:r>
-                        <a:rPr lang="fr-FR" sz="2400" dirty="0"/>
+                        <a:rPr lang="fr-FR" sz="2400"/>
                         <a:t> </a:t>
                       </a:r>
                       <a:r>
-                        <a:rPr lang="fr-FR" sz="2400" dirty="0" err="1"/>
+                        <a:rPr lang="fr-FR" sz="2400" err="1"/>
                         <a:t>Regression</a:t>
                       </a:r>
-                      <a:endParaRPr lang="fr-FR" sz="2400" dirty="0"/>
+                      <a:endParaRPr lang="fr-FR" sz="2400"/>
                     </a:p>
                   </a:txBody>
                   <a:tcPr/>
@@ -12416,18 +12401,18 @@
                     <a:lstStyle/>
                     <a:p>
                       <a:r>
-                        <a:rPr lang="fr-FR" sz="2400" dirty="0" err="1"/>
+                        <a:rPr lang="fr-FR" sz="2400" err="1"/>
                         <a:t>Decision</a:t>
                       </a:r>
                       <a:r>
-                        <a:rPr lang="fr-FR" sz="2400" dirty="0"/>
+                        <a:rPr lang="fr-FR" sz="2400"/>
                         <a:t> </a:t>
                       </a:r>
                       <a:r>
-                        <a:rPr lang="fr-FR" sz="2400" dirty="0" err="1"/>
+                        <a:rPr lang="fr-FR" sz="2400" err="1"/>
                         <a:t>Tree</a:t>
                       </a:r>
-                      <a:endParaRPr lang="fr-FR" sz="2400" dirty="0"/>
+                      <a:endParaRPr lang="fr-FR" sz="2400"/>
                     </a:p>
                   </a:txBody>
                   <a:tcPr/>
@@ -12459,19 +12444,19 @@
                     <a:lstStyle/>
                     <a:p>
                       <a:r>
-                        <a:rPr lang="fr-FR" sz="2400" dirty="0" err="1"/>
+                        <a:rPr lang="fr-FR" sz="2400" err="1"/>
                         <a:t>Gaussian</a:t>
                       </a:r>
                       <a:r>
-                        <a:rPr lang="fr-FR" sz="2400" dirty="0"/>
+                        <a:rPr lang="fr-FR" sz="2400"/>
                         <a:t> </a:t>
                       </a:r>
                       <a:r>
-                        <a:rPr lang="fr-FR" sz="2400" dirty="0" err="1"/>
+                        <a:rPr lang="fr-FR" sz="2400" err="1"/>
                         <a:t>Naives</a:t>
                       </a:r>
                       <a:r>
-                        <a:rPr lang="fr-FR" sz="2400" dirty="0"/>
+                        <a:rPr lang="fr-FR" sz="2400"/>
                         <a:t> Bayes</a:t>
                       </a:r>
                     </a:p>
@@ -12505,11 +12490,11 @@
                     <a:lstStyle/>
                     <a:p>
                       <a:r>
-                        <a:rPr lang="fr-FR" sz="2400" dirty="0" err="1"/>
+                        <a:rPr lang="fr-FR" sz="2400" err="1"/>
                         <a:t>Random</a:t>
                       </a:r>
                       <a:r>
-                        <a:rPr lang="fr-FR" sz="2400" dirty="0"/>
+                        <a:rPr lang="fr-FR" sz="2400"/>
                         <a:t> Forest Classifier</a:t>
                       </a:r>
                     </a:p>
@@ -12543,11 +12528,11 @@
                     <a:lstStyle/>
                     <a:p>
                       <a:r>
-                        <a:rPr lang="fr-FR" sz="2400" dirty="0" err="1"/>
+                        <a:rPr lang="fr-FR" sz="2400" err="1"/>
                         <a:t>Boosting</a:t>
                       </a:r>
                       <a:r>
-                        <a:rPr lang="fr-FR" sz="2400" dirty="0"/>
+                        <a:rPr lang="fr-FR" sz="2400"/>
                         <a:t> Classifier</a:t>
                       </a:r>
                     </a:p>
@@ -12561,7 +12546,7 @@
                     <a:p>
                       <a:pPr algn="ctr"/>
                       <a:r>
-                        <a:rPr lang="fr-FR" sz="2400" b="0" dirty="0"/>
+                        <a:rPr lang="fr-FR" sz="2400" b="0"/>
                         <a:t>0.9701</a:t>
                       </a:r>
                     </a:p>
@@ -12581,7 +12566,7 @@
                     <a:lstStyle/>
                     <a:p>
                       <a:r>
-                        <a:rPr lang="fr-FR" sz="2400" dirty="0"/>
+                        <a:rPr lang="fr-FR" sz="2400"/>
                         <a:t>KNN Classifier</a:t>
                       </a:r>
                     </a:p>
@@ -12615,7 +12600,7 @@
                     <a:lstStyle/>
                     <a:p>
                       <a:r>
-                        <a:rPr lang="fr-FR" sz="2400" dirty="0"/>
+                        <a:rPr lang="fr-FR" sz="2400"/>
                         <a:t>Bagging Classifier</a:t>
                       </a:r>
                     </a:p>
@@ -12701,7 +12686,6 @@
               <a:rPr lang="fr-FR"/>
               <a:t>CONFUSION MATRIX</a:t>
             </a:r>
-            <a:endParaRPr lang="fr-FR" dirty="0"/>
           </a:p>
         </p:txBody>
       </p:sp>
@@ -12780,18 +12764,18 @@
               <a:buNone/>
             </a:pPr>
             <a:r>
-              <a:rPr lang="fr-FR" sz="2000" dirty="0" err="1"/>
+              <a:rPr lang="fr-FR" sz="2000" err="1"/>
               <a:t>Logistic</a:t>
             </a:r>
             <a:r>
-              <a:rPr lang="fr-FR" sz="2000" dirty="0"/>
+              <a:rPr lang="fr-FR" sz="2000"/>
               <a:t> </a:t>
             </a:r>
             <a:r>
-              <a:rPr lang="fr-FR" sz="2000" dirty="0" err="1"/>
+              <a:rPr lang="fr-FR" sz="2000" err="1"/>
               <a:t>Regression</a:t>
             </a:r>
-            <a:endParaRPr lang="fr-FR" sz="2000" dirty="0"/>
+            <a:endParaRPr lang="fr-FR" sz="2000"/>
           </a:p>
         </p:txBody>
       </p:sp>
@@ -12992,18 +12976,18 @@
               <a:buNone/>
             </a:pPr>
             <a:r>
-              <a:rPr lang="fr-FR" sz="2000" dirty="0" err="1"/>
+              <a:rPr lang="fr-FR" sz="2000" err="1"/>
               <a:t>Decision</a:t>
             </a:r>
             <a:r>
-              <a:rPr lang="fr-FR" sz="2000" dirty="0"/>
+              <a:rPr lang="fr-FR" sz="2000"/>
               <a:t> </a:t>
             </a:r>
             <a:r>
-              <a:rPr lang="fr-FR" sz="2000" dirty="0" err="1"/>
+              <a:rPr lang="fr-FR" sz="2000" err="1"/>
               <a:t>Tree</a:t>
             </a:r>
-            <a:endParaRPr lang="fr-FR" sz="2000" dirty="0"/>
+            <a:endParaRPr lang="fr-FR" sz="2000"/>
           </a:p>
         </p:txBody>
       </p:sp>
@@ -13204,10 +13188,10 @@
               <a:buNone/>
             </a:pPr>
             <a:r>
-              <a:rPr lang="fr-FR" sz="2000" dirty="0" err="1"/>
+              <a:rPr lang="fr-FR" sz="2000" err="1"/>
               <a:t>Gaussian</a:t>
             </a:r>
-            <a:endParaRPr lang="fr-FR" sz="2000" dirty="0"/>
+            <a:endParaRPr lang="fr-FR" sz="2000"/>
           </a:p>
         </p:txBody>
       </p:sp>
@@ -13408,11 +13392,11 @@
               <a:buNone/>
             </a:pPr>
             <a:r>
-              <a:rPr lang="fr-FR" sz="2000" dirty="0" err="1"/>
+              <a:rPr lang="fr-FR" sz="2000" err="1"/>
               <a:t>Random</a:t>
             </a:r>
             <a:r>
-              <a:rPr lang="fr-FR" sz="2000" dirty="0"/>
+              <a:rPr lang="fr-FR" sz="2000"/>
               <a:t> Forest</a:t>
             </a:r>
           </a:p>
@@ -14201,91 +14185,91 @@
               <a:buNone/>
             </a:pPr>
             <a:r>
-              <a:rPr lang="fr-FR" sz="2000" dirty="0" err="1"/>
+              <a:rPr lang="fr-FR" sz="2000" err="1"/>
               <a:t>We</a:t>
             </a:r>
             <a:r>
-              <a:rPr lang="fr-FR" sz="2000" dirty="0"/>
+              <a:rPr lang="fr-FR" sz="2000"/>
               <a:t> </a:t>
             </a:r>
             <a:r>
-              <a:rPr lang="fr-FR" sz="2000" dirty="0" err="1"/>
+              <a:rPr lang="fr-FR" sz="2000" err="1"/>
               <a:t>decided</a:t>
             </a:r>
             <a:r>
-              <a:rPr lang="fr-FR" sz="2000" dirty="0"/>
+              <a:rPr lang="fr-FR" sz="2000"/>
               <a:t> to </a:t>
             </a:r>
             <a:r>
-              <a:rPr lang="fr-FR" sz="2000" dirty="0" err="1"/>
+              <a:rPr lang="fr-FR" sz="2000" err="1"/>
               <a:t>reject</a:t>
             </a:r>
             <a:r>
-              <a:rPr lang="fr-FR" sz="2000" dirty="0"/>
+              <a:rPr lang="fr-FR" sz="2000"/>
               <a:t> all of </a:t>
             </a:r>
             <a:r>
-              <a:rPr lang="fr-FR" sz="2000" dirty="0" err="1"/>
+              <a:rPr lang="fr-FR" sz="2000" err="1"/>
               <a:t>this</a:t>
             </a:r>
             <a:r>
-              <a:rPr lang="fr-FR" sz="2000" dirty="0"/>
+              <a:rPr lang="fr-FR" sz="2000"/>
               <a:t> model </a:t>
             </a:r>
             <a:r>
-              <a:rPr lang="fr-FR" sz="2000" dirty="0" err="1"/>
+              <a:rPr lang="fr-FR" sz="2000" err="1"/>
               <a:t>because</a:t>
             </a:r>
             <a:r>
-              <a:rPr lang="fr-FR" sz="2000" dirty="0"/>
+              <a:rPr lang="fr-FR" sz="2000"/>
               <a:t> of </a:t>
             </a:r>
             <a:r>
-              <a:rPr lang="fr-FR" sz="2000" dirty="0" err="1"/>
+              <a:rPr lang="fr-FR" sz="2000" err="1"/>
               <a:t>their</a:t>
             </a:r>
             <a:r>
-              <a:rPr lang="fr-FR" sz="2000" dirty="0"/>
+              <a:rPr lang="fr-FR" sz="2000"/>
               <a:t> </a:t>
             </a:r>
             <a:r>
-              <a:rPr lang="fr-FR" sz="2000" dirty="0" err="1"/>
+              <a:rPr lang="fr-FR" sz="2000" err="1"/>
               <a:t>result</a:t>
             </a:r>
             <a:r>
-              <a:rPr lang="fr-FR" sz="2000" dirty="0"/>
+              <a:rPr lang="fr-FR" sz="2000"/>
               <a:t> </a:t>
             </a:r>
             <a:r>
-              <a:rPr lang="fr-FR" sz="2000" dirty="0" err="1"/>
+              <a:rPr lang="fr-FR" sz="2000" err="1"/>
               <a:t>weren’t</a:t>
             </a:r>
             <a:r>
-              <a:rPr lang="fr-FR" sz="2000" dirty="0"/>
+              <a:rPr lang="fr-FR" sz="2000"/>
               <a:t> as good as the </a:t>
             </a:r>
             <a:r>
-              <a:rPr lang="fr-FR" sz="2000" dirty="0" err="1"/>
+              <a:rPr lang="fr-FR" sz="2000" err="1"/>
               <a:t>ones</a:t>
             </a:r>
             <a:r>
-              <a:rPr lang="fr-FR" sz="2000" dirty="0"/>
+              <a:rPr lang="fr-FR" sz="2000"/>
               <a:t> of the </a:t>
             </a:r>
             <a:r>
-              <a:rPr lang="fr-FR" sz="2000" dirty="0" err="1"/>
+              <a:rPr lang="fr-FR" sz="2000" err="1"/>
               <a:t>boosting</a:t>
             </a:r>
             <a:r>
-              <a:rPr lang="fr-FR" sz="2000" dirty="0"/>
+              <a:rPr lang="fr-FR" sz="2000"/>
               <a:t> </a:t>
             </a:r>
             <a:r>
-              <a:rPr lang="fr-FR" sz="2000" dirty="0" err="1"/>
+              <a:rPr lang="fr-FR" sz="2000" err="1"/>
               <a:t>tree</a:t>
             </a:r>
             <a:r>
-              <a:rPr lang="fr-FR" sz="2000" dirty="0"/>
+              <a:rPr lang="fr-FR" sz="2000"/>
               <a:t>.</a:t>
             </a:r>
           </a:p>
@@ -14799,7 +14783,6 @@
               <a:rPr lang="fr-FR"/>
               <a:t>BOOSTING TREE : PARAMETER TUNIG</a:t>
             </a:r>
-            <a:endParaRPr lang="fr-FR" dirty="0"/>
           </a:p>
         </p:txBody>
       </p:sp>
@@ -15513,15 +15496,6 @@
 </file>
 
 <file path=customXml/item1.xml><?xml version="1.0" encoding="utf-8"?>
-<?mso-contentType ?>
-<FormTemplates xmlns="http://schemas.microsoft.com/sharepoint/v3/contenttype/forms">
-  <Display>DocumentLibraryForm</Display>
-  <Edit>DocumentLibraryForm</Edit>
-  <New>DocumentLibraryForm</New>
-</FormTemplates>
-</file>
-
-<file path=customXml/item2.xml><?xml version="1.0" encoding="utf-8"?>
 <p:properties xmlns:p="http://schemas.microsoft.com/office/2006/metadata/properties" xmlns:xsi="http://www.w3.org/2001/XMLSchema-instance" xmlns:pc="http://schemas.microsoft.com/office/infopath/2007/PartnerControls">
   <documentManagement>
     <_ip_UnifiedCompliancePolicyUIAction xmlns="http://schemas.microsoft.com/sharepoint/v3" xsi:nil="true"/>
@@ -15530,7 +15504,7 @@
 </p:properties>
 </file>
 
-<file path=customXml/item3.xml><?xml version="1.0" encoding="utf-8"?>
+<file path=customXml/item2.xml><?xml version="1.0" encoding="utf-8"?>
 <ct:contentTypeSchema xmlns:ct="http://schemas.microsoft.com/office/2006/metadata/contentType" xmlns:ma="http://schemas.microsoft.com/office/2006/metadata/properties/metaAttributes" ct:_="" ma:_="" ma:contentTypeName="Document" ma:contentTypeID="0x010100694D4D68F693B1429631124D9A2D8A88" ma:contentTypeVersion="15" ma:contentTypeDescription="Crée un document." ma:contentTypeScope="" ma:versionID="b4d9705b348f2826c1400abc27a0bd06">
   <xsd:schema xmlns:xsd="http://www.w3.org/2001/XMLSchema" xmlns:xs="http://www.w3.org/2001/XMLSchema" xmlns:p="http://schemas.microsoft.com/office/2006/metadata/properties" xmlns:ns1="http://schemas.microsoft.com/sharepoint/v3" xmlns:ns3="fc77a6a7-1e2b-40c0-8610-f22480a3c003" xmlns:ns4="ac540a4d-e594-4fbf-a3ab-091ae96a98e3" targetNamespace="http://schemas.microsoft.com/office/2006/metadata/properties" ma:root="true" ma:fieldsID="8af49d4cf32014a8971c6d302e116f22" ns1:_="" ns3:_="" ns4:_="">
     <xsd:import namespace="http://schemas.microsoft.com/sharepoint/v3"/>
@@ -15770,15 +15744,16 @@
 </ct:contentTypeSchema>
 </file>
 
-<file path=customXml/itemProps1.xml><?xml version="1.0" encoding="utf-8"?>
-<ds:datastoreItem xmlns:ds="http://schemas.openxmlformats.org/officeDocument/2006/customXml" ds:itemID="{506DFC7D-5525-44A0-B84B-90BB1BA74C69}">
-  <ds:schemaRefs>
-    <ds:schemaRef ds:uri="http://schemas.microsoft.com/sharepoint/v3/contenttype/forms"/>
-  </ds:schemaRefs>
-</ds:datastoreItem>
+<file path=customXml/item3.xml><?xml version="1.0" encoding="utf-8"?>
+<?mso-contentType ?>
+<FormTemplates xmlns="http://schemas.microsoft.com/sharepoint/v3/contenttype/forms">
+  <Display>DocumentLibraryForm</Display>
+  <Edit>DocumentLibraryForm</Edit>
+  <New>DocumentLibraryForm</New>
+</FormTemplates>
 </file>
 
-<file path=customXml/itemProps2.xml><?xml version="1.0" encoding="utf-8"?>
+<file path=customXml/itemProps1.xml><?xml version="1.0" encoding="utf-8"?>
 <ds:datastoreItem xmlns:ds="http://schemas.openxmlformats.org/officeDocument/2006/customXml" ds:itemID="{9E3E725C-9D84-4544-9BC6-44AEAC926B30}">
   <ds:schemaRefs>
     <ds:schemaRef ds:uri="http://schemas.microsoft.com/office/2006/metadata/properties"/>
@@ -15788,22 +15763,30 @@
 </ds:datastoreItem>
 </file>
 
-<file path=customXml/itemProps3.xml><?xml version="1.0" encoding="utf-8"?>
+<file path=customXml/itemProps2.xml><?xml version="1.0" encoding="utf-8"?>
 <ds:datastoreItem xmlns:ds="http://schemas.openxmlformats.org/officeDocument/2006/customXml" ds:itemID="{90C50B1B-F25F-44E5-94B2-4168FA3B27E3}">
   <ds:schemaRefs>
-    <ds:schemaRef ds:uri="http://schemas.microsoft.com/office/2006/metadata/contentType"/>
-    <ds:schemaRef ds:uri="http://schemas.microsoft.com/office/2006/metadata/properties/metaAttributes"/>
-    <ds:schemaRef ds:uri="http://www.w3.org/2001/XMLSchema"/>
-    <ds:schemaRef ds:uri="http://schemas.microsoft.com/office/2006/metadata/properties"/>
-    <ds:schemaRef ds:uri="http://schemas.microsoft.com/sharepoint/v3"/>
+    <ds:schemaRef ds:uri="ac540a4d-e594-4fbf-a3ab-091ae96a98e3"/>
     <ds:schemaRef ds:uri="fc77a6a7-1e2b-40c0-8610-f22480a3c003"/>
-    <ds:schemaRef ds:uri="ac540a4d-e594-4fbf-a3ab-091ae96a98e3"/>
-    <ds:schemaRef ds:uri="http://schemas.microsoft.com/office/2006/documentManagement/types"/>
-    <ds:schemaRef ds:uri="http://schemas.microsoft.com/office/infopath/2007/PartnerControls"/>
-    <ds:schemaRef ds:uri="http://schemas.openxmlformats.org/package/2006/metadata/core-properties"/>
     <ds:schemaRef ds:uri="http://purl.org/dc/elements/1.1/"/>
     <ds:schemaRef ds:uri="http://purl.org/dc/terms/"/>
     <ds:schemaRef ds:uri="http://schemas.microsoft.com/internal/obd"/>
+    <ds:schemaRef ds:uri="http://schemas.microsoft.com/office/2006/documentManagement/types"/>
+    <ds:schemaRef ds:uri="http://schemas.microsoft.com/office/2006/metadata/contentType"/>
+    <ds:schemaRef ds:uri="http://schemas.microsoft.com/office/2006/metadata/properties"/>
+    <ds:schemaRef ds:uri="http://schemas.microsoft.com/office/2006/metadata/properties/metaAttributes"/>
+    <ds:schemaRef ds:uri="http://schemas.microsoft.com/office/infopath/2007/PartnerControls"/>
+    <ds:schemaRef ds:uri="http://schemas.microsoft.com/sharepoint/v3"/>
+    <ds:schemaRef ds:uri="http://schemas.openxmlformats.org/package/2006/metadata/core-properties"/>
+    <ds:schemaRef ds:uri="http://www.w3.org/2001/XMLSchema"/>
+  </ds:schemaRefs>
+</ds:datastoreItem>
+</file>
+
+<file path=customXml/itemProps3.xml><?xml version="1.0" encoding="utf-8"?>
+<ds:datastoreItem xmlns:ds="http://schemas.openxmlformats.org/officeDocument/2006/customXml" ds:itemID="{506DFC7D-5525-44A0-B84B-90BB1BA74C69}">
+  <ds:schemaRefs>
+    <ds:schemaRef ds:uri="http://schemas.microsoft.com/sharepoint/v3/contenttype/forms"/>
   </ds:schemaRefs>
 </ds:datastoreItem>
 </file>